--- a/final/Project1team1jodyandrepurnimasambobby.pptx
+++ b/final/Project1team1jodyandrepurnimasambobby.pptx
@@ -4,16 +4,20 @@
   <p:sldMasterIdLst>
     <p:sldMasterId id="2147483648" r:id="rId1"/>
   </p:sldMasterIdLst>
+  <p:notesMasterIdLst>
+    <p:notesMasterId r:id="rId12"/>
+  </p:notesMasterIdLst>
   <p:sldIdLst>
     <p:sldId id="256" r:id="rId2"/>
     <p:sldId id="257" r:id="rId3"/>
     <p:sldId id="258" r:id="rId4"/>
-    <p:sldId id="259" r:id="rId5"/>
-    <p:sldId id="260" r:id="rId6"/>
-    <p:sldId id="263" r:id="rId7"/>
-    <p:sldId id="264" r:id="rId8"/>
-    <p:sldId id="261" r:id="rId9"/>
-    <p:sldId id="262" r:id="rId10"/>
+    <p:sldId id="265" r:id="rId5"/>
+    <p:sldId id="267" r:id="rId6"/>
+    <p:sldId id="268" r:id="rId7"/>
+    <p:sldId id="260" r:id="rId8"/>
+    <p:sldId id="263" r:id="rId9"/>
+    <p:sldId id="264" r:id="rId10"/>
+    <p:sldId id="261" r:id="rId11"/>
   </p:sldIdLst>
   <p:sldSz cx="9144000" cy="6858000" type="screen4x3"/>
   <p:notesSz cx="6858000" cy="9144000"/>
@@ -112,7 +116,456 @@
       </a:defRPr>
     </a:lvl9pPr>
   </p:defaultTextStyle>
+  <p:extLst>
+    <p:ext uri="{EFAFB233-063F-42B5-8137-9DF3F51BA10A}">
+      <p15:sldGuideLst xmlns:p15="http://schemas.microsoft.com/office/powerpoint/2012/main">
+        <p15:guide id="1" orient="horz" pos="2160">
+          <p15:clr>
+            <a:srgbClr val="A4A3A4"/>
+          </p15:clr>
+        </p15:guide>
+        <p15:guide id="2" pos="2880">
+          <p15:clr>
+            <a:srgbClr val="A4A3A4"/>
+          </p15:clr>
+        </p15:guide>
+      </p15:sldGuideLst>
+    </p:ext>
+  </p:extLst>
 </p:presentation>
+</file>
+
+<file path=ppt/notesMasters/notesMaster1.xml><?xml version="1.0" encoding="utf-8"?>
+<p:notesMaster xmlns:a="http://schemas.openxmlformats.org/drawingml/2006/main" xmlns:r="http://schemas.openxmlformats.org/officeDocument/2006/relationships" xmlns:p="http://schemas.openxmlformats.org/presentationml/2006/main">
+  <p:cSld>
+    <p:bg>
+      <p:bgRef idx="1001">
+        <a:schemeClr val="bg1"/>
+      </p:bgRef>
+    </p:bg>
+    <p:spTree>
+      <p:nvGrpSpPr>
+        <p:cNvPr id="1" name=""/>
+        <p:cNvGrpSpPr/>
+        <p:nvPr/>
+      </p:nvGrpSpPr>
+      <p:grpSpPr>
+        <a:xfrm>
+          <a:off x="0" y="0"/>
+          <a:ext cx="0" cy="0"/>
+          <a:chOff x="0" y="0"/>
+          <a:chExt cx="0" cy="0"/>
+        </a:xfrm>
+      </p:grpSpPr>
+      <p:sp>
+        <p:nvSpPr>
+          <p:cNvPr id="2" name="Header Placeholder 1"/>
+          <p:cNvSpPr>
+            <a:spLocks noGrp="1"/>
+          </p:cNvSpPr>
+          <p:nvPr>
+            <p:ph type="hdr" sz="quarter"/>
+          </p:nvPr>
+        </p:nvSpPr>
+        <p:spPr>
+          <a:xfrm>
+            <a:off x="0" y="0"/>
+            <a:ext cx="2971800" cy="458788"/>
+          </a:xfrm>
+          <a:prstGeom prst="rect">
+            <a:avLst/>
+          </a:prstGeom>
+        </p:spPr>
+        <p:txBody>
+          <a:bodyPr vert="horz" lIns="91440" tIns="45720" rIns="91440" bIns="45720" rtlCol="0"/>
+          <a:lstStyle>
+            <a:lvl1pPr algn="l">
+              <a:defRPr sz="1200"/>
+            </a:lvl1pPr>
+          </a:lstStyle>
+          <a:p>
+            <a:endParaRPr lang="en-US"/>
+          </a:p>
+        </p:txBody>
+      </p:sp>
+      <p:sp>
+        <p:nvSpPr>
+          <p:cNvPr id="3" name="Date Placeholder 2"/>
+          <p:cNvSpPr>
+            <a:spLocks noGrp="1"/>
+          </p:cNvSpPr>
+          <p:nvPr>
+            <p:ph type="dt" idx="1"/>
+          </p:nvPr>
+        </p:nvSpPr>
+        <p:spPr>
+          <a:xfrm>
+            <a:off x="3884613" y="0"/>
+            <a:ext cx="2971800" cy="458788"/>
+          </a:xfrm>
+          <a:prstGeom prst="rect">
+            <a:avLst/>
+          </a:prstGeom>
+        </p:spPr>
+        <p:txBody>
+          <a:bodyPr vert="horz" lIns="91440" tIns="45720" rIns="91440" bIns="45720" rtlCol="0"/>
+          <a:lstStyle>
+            <a:lvl1pPr algn="r">
+              <a:defRPr sz="1200"/>
+            </a:lvl1pPr>
+          </a:lstStyle>
+          <a:p>
+            <a:fld id="{FB696452-E97F-A64E-BFFF-4B961DE77375}" type="datetimeFigureOut">
+              <a:rPr lang="en-US" smtClean="0"/>
+              <a:t>11/29/18</a:t>
+            </a:fld>
+            <a:endParaRPr lang="en-US"/>
+          </a:p>
+        </p:txBody>
+      </p:sp>
+      <p:sp>
+        <p:nvSpPr>
+          <p:cNvPr id="4" name="Slide Image Placeholder 3"/>
+          <p:cNvSpPr>
+            <a:spLocks noGrp="1" noRot="1" noChangeAspect="1"/>
+          </p:cNvSpPr>
+          <p:nvPr>
+            <p:ph type="sldImg" idx="2"/>
+          </p:nvPr>
+        </p:nvSpPr>
+        <p:spPr>
+          <a:xfrm>
+            <a:off x="1371600" y="1143000"/>
+            <a:ext cx="4114800" cy="3086100"/>
+          </a:xfrm>
+          <a:prstGeom prst="rect">
+            <a:avLst/>
+          </a:prstGeom>
+          <a:noFill/>
+          <a:ln w="12700">
+            <a:solidFill>
+              <a:prstClr val="black"/>
+            </a:solidFill>
+          </a:ln>
+        </p:spPr>
+        <p:txBody>
+          <a:bodyPr vert="horz" lIns="91440" tIns="45720" rIns="91440" bIns="45720" rtlCol="0" anchor="ctr"/>
+          <a:lstStyle/>
+          <a:p>
+            <a:endParaRPr lang="en-US"/>
+          </a:p>
+        </p:txBody>
+      </p:sp>
+      <p:sp>
+        <p:nvSpPr>
+          <p:cNvPr id="5" name="Notes Placeholder 4"/>
+          <p:cNvSpPr>
+            <a:spLocks noGrp="1"/>
+          </p:cNvSpPr>
+          <p:nvPr>
+            <p:ph type="body" sz="quarter" idx="3"/>
+          </p:nvPr>
+        </p:nvSpPr>
+        <p:spPr>
+          <a:xfrm>
+            <a:off x="685800" y="4400550"/>
+            <a:ext cx="5486400" cy="3600450"/>
+          </a:xfrm>
+          <a:prstGeom prst="rect">
+            <a:avLst/>
+          </a:prstGeom>
+        </p:spPr>
+        <p:txBody>
+          <a:bodyPr vert="horz" lIns="91440" tIns="45720" rIns="91440" bIns="45720" rtlCol="0"/>
+          <a:lstStyle/>
+          <a:p>
+            <a:pPr lvl="0"/>
+            <a:r>
+              <a:rPr lang="en-US"/>
+              <a:t>Edit Master text styles</a:t>
+            </a:r>
+          </a:p>
+          <a:p>
+            <a:pPr lvl="1"/>
+            <a:r>
+              <a:rPr lang="en-US"/>
+              <a:t>Second level</a:t>
+            </a:r>
+          </a:p>
+          <a:p>
+            <a:pPr lvl="2"/>
+            <a:r>
+              <a:rPr lang="en-US"/>
+              <a:t>Third level</a:t>
+            </a:r>
+          </a:p>
+          <a:p>
+            <a:pPr lvl="3"/>
+            <a:r>
+              <a:rPr lang="en-US"/>
+              <a:t>Fourth level</a:t>
+            </a:r>
+          </a:p>
+          <a:p>
+            <a:pPr lvl="4"/>
+            <a:r>
+              <a:rPr lang="en-US"/>
+              <a:t>Fifth level</a:t>
+            </a:r>
+          </a:p>
+        </p:txBody>
+      </p:sp>
+      <p:sp>
+        <p:nvSpPr>
+          <p:cNvPr id="6" name="Footer Placeholder 5"/>
+          <p:cNvSpPr>
+            <a:spLocks noGrp="1"/>
+          </p:cNvSpPr>
+          <p:nvPr>
+            <p:ph type="ftr" sz="quarter" idx="4"/>
+          </p:nvPr>
+        </p:nvSpPr>
+        <p:spPr>
+          <a:xfrm>
+            <a:off x="0" y="8685213"/>
+            <a:ext cx="2971800" cy="458787"/>
+          </a:xfrm>
+          <a:prstGeom prst="rect">
+            <a:avLst/>
+          </a:prstGeom>
+        </p:spPr>
+        <p:txBody>
+          <a:bodyPr vert="horz" lIns="91440" tIns="45720" rIns="91440" bIns="45720" rtlCol="0" anchor="b"/>
+          <a:lstStyle>
+            <a:lvl1pPr algn="l">
+              <a:defRPr sz="1200"/>
+            </a:lvl1pPr>
+          </a:lstStyle>
+          <a:p>
+            <a:endParaRPr lang="en-US"/>
+          </a:p>
+        </p:txBody>
+      </p:sp>
+      <p:sp>
+        <p:nvSpPr>
+          <p:cNvPr id="7" name="Slide Number Placeholder 6"/>
+          <p:cNvSpPr>
+            <a:spLocks noGrp="1"/>
+          </p:cNvSpPr>
+          <p:nvPr>
+            <p:ph type="sldNum" sz="quarter" idx="5"/>
+          </p:nvPr>
+        </p:nvSpPr>
+        <p:spPr>
+          <a:xfrm>
+            <a:off x="3884613" y="8685213"/>
+            <a:ext cx="2971800" cy="458787"/>
+          </a:xfrm>
+          <a:prstGeom prst="rect">
+            <a:avLst/>
+          </a:prstGeom>
+        </p:spPr>
+        <p:txBody>
+          <a:bodyPr vert="horz" lIns="91440" tIns="45720" rIns="91440" bIns="45720" rtlCol="0" anchor="b"/>
+          <a:lstStyle>
+            <a:lvl1pPr algn="r">
+              <a:defRPr sz="1200"/>
+            </a:lvl1pPr>
+          </a:lstStyle>
+          <a:p>
+            <a:fld id="{ED898EEC-85A9-364D-9B4F-E55F826AC24C}" type="slidenum">
+              <a:rPr lang="en-US" smtClean="0"/>
+              <a:t>‹#›</a:t>
+            </a:fld>
+            <a:endParaRPr lang="en-US"/>
+          </a:p>
+        </p:txBody>
+      </p:sp>
+    </p:spTree>
+    <p:extLst>
+      <p:ext uri="{BB962C8B-B14F-4D97-AF65-F5344CB8AC3E}">
+        <p14:creationId xmlns:p14="http://schemas.microsoft.com/office/powerpoint/2010/main" val="403754125"/>
+      </p:ext>
+    </p:extLst>
+  </p:cSld>
+  <p:clrMap bg1="lt1" tx1="dk1" bg2="lt2" tx2="dk2" accent1="accent1" accent2="accent2" accent3="accent3" accent4="accent4" accent5="accent5" accent6="accent6" hlink="hlink" folHlink="folHlink"/>
+  <p:notesStyle>
+    <a:lvl1pPr marL="0" algn="l" defTabSz="914400" rtl="0" eaLnBrk="1" latinLnBrk="0" hangingPunct="1">
+      <a:defRPr sz="1200" kern="1200">
+        <a:solidFill>
+          <a:schemeClr val="tx1"/>
+        </a:solidFill>
+        <a:latin typeface="+mn-lt"/>
+        <a:ea typeface="+mn-ea"/>
+        <a:cs typeface="+mn-cs"/>
+      </a:defRPr>
+    </a:lvl1pPr>
+    <a:lvl2pPr marL="457200" algn="l" defTabSz="914400" rtl="0" eaLnBrk="1" latinLnBrk="0" hangingPunct="1">
+      <a:defRPr sz="1200" kern="1200">
+        <a:solidFill>
+          <a:schemeClr val="tx1"/>
+        </a:solidFill>
+        <a:latin typeface="+mn-lt"/>
+        <a:ea typeface="+mn-ea"/>
+        <a:cs typeface="+mn-cs"/>
+      </a:defRPr>
+    </a:lvl2pPr>
+    <a:lvl3pPr marL="914400" algn="l" defTabSz="914400" rtl="0" eaLnBrk="1" latinLnBrk="0" hangingPunct="1">
+      <a:defRPr sz="1200" kern="1200">
+        <a:solidFill>
+          <a:schemeClr val="tx1"/>
+        </a:solidFill>
+        <a:latin typeface="+mn-lt"/>
+        <a:ea typeface="+mn-ea"/>
+        <a:cs typeface="+mn-cs"/>
+      </a:defRPr>
+    </a:lvl3pPr>
+    <a:lvl4pPr marL="1371600" algn="l" defTabSz="914400" rtl="0" eaLnBrk="1" latinLnBrk="0" hangingPunct="1">
+      <a:defRPr sz="1200" kern="1200">
+        <a:solidFill>
+          <a:schemeClr val="tx1"/>
+        </a:solidFill>
+        <a:latin typeface="+mn-lt"/>
+        <a:ea typeface="+mn-ea"/>
+        <a:cs typeface="+mn-cs"/>
+      </a:defRPr>
+    </a:lvl4pPr>
+    <a:lvl5pPr marL="1828800" algn="l" defTabSz="914400" rtl="0" eaLnBrk="1" latinLnBrk="0" hangingPunct="1">
+      <a:defRPr sz="1200" kern="1200">
+        <a:solidFill>
+          <a:schemeClr val="tx1"/>
+        </a:solidFill>
+        <a:latin typeface="+mn-lt"/>
+        <a:ea typeface="+mn-ea"/>
+        <a:cs typeface="+mn-cs"/>
+      </a:defRPr>
+    </a:lvl5pPr>
+    <a:lvl6pPr marL="2286000" algn="l" defTabSz="914400" rtl="0" eaLnBrk="1" latinLnBrk="0" hangingPunct="1">
+      <a:defRPr sz="1200" kern="1200">
+        <a:solidFill>
+          <a:schemeClr val="tx1"/>
+        </a:solidFill>
+        <a:latin typeface="+mn-lt"/>
+        <a:ea typeface="+mn-ea"/>
+        <a:cs typeface="+mn-cs"/>
+      </a:defRPr>
+    </a:lvl6pPr>
+    <a:lvl7pPr marL="2743200" algn="l" defTabSz="914400" rtl="0" eaLnBrk="1" latinLnBrk="0" hangingPunct="1">
+      <a:defRPr sz="1200" kern="1200">
+        <a:solidFill>
+          <a:schemeClr val="tx1"/>
+        </a:solidFill>
+        <a:latin typeface="+mn-lt"/>
+        <a:ea typeface="+mn-ea"/>
+        <a:cs typeface="+mn-cs"/>
+      </a:defRPr>
+    </a:lvl7pPr>
+    <a:lvl8pPr marL="3200400" algn="l" defTabSz="914400" rtl="0" eaLnBrk="1" latinLnBrk="0" hangingPunct="1">
+      <a:defRPr sz="1200" kern="1200">
+        <a:solidFill>
+          <a:schemeClr val="tx1"/>
+        </a:solidFill>
+        <a:latin typeface="+mn-lt"/>
+        <a:ea typeface="+mn-ea"/>
+        <a:cs typeface="+mn-cs"/>
+      </a:defRPr>
+    </a:lvl8pPr>
+    <a:lvl9pPr marL="3657600" algn="l" defTabSz="914400" rtl="0" eaLnBrk="1" latinLnBrk="0" hangingPunct="1">
+      <a:defRPr sz="1200" kern="1200">
+        <a:solidFill>
+          <a:schemeClr val="tx1"/>
+        </a:solidFill>
+        <a:latin typeface="+mn-lt"/>
+        <a:ea typeface="+mn-ea"/>
+        <a:cs typeface="+mn-cs"/>
+      </a:defRPr>
+    </a:lvl9pPr>
+  </p:notesStyle>
+</p:notesMaster>
+</file>
+
+<file path=ppt/notesSlides/notesSlide1.xml><?xml version="1.0" encoding="utf-8"?>
+<p:notes xmlns:a="http://schemas.openxmlformats.org/drawingml/2006/main" xmlns:r="http://schemas.openxmlformats.org/officeDocument/2006/relationships" xmlns:p="http://schemas.openxmlformats.org/presentationml/2006/main">
+  <p:cSld>
+    <p:spTree>
+      <p:nvGrpSpPr>
+        <p:cNvPr id="1" name=""/>
+        <p:cNvGrpSpPr/>
+        <p:nvPr/>
+      </p:nvGrpSpPr>
+      <p:grpSpPr>
+        <a:xfrm>
+          <a:off x="0" y="0"/>
+          <a:ext cx="0" cy="0"/>
+          <a:chOff x="0" y="0"/>
+          <a:chExt cx="0" cy="0"/>
+        </a:xfrm>
+      </p:grpSpPr>
+      <p:sp>
+        <p:nvSpPr>
+          <p:cNvPr id="2" name="Slide Image Placeholder 1"/>
+          <p:cNvSpPr>
+            <a:spLocks noGrp="1" noRot="1" noChangeAspect="1"/>
+          </p:cNvSpPr>
+          <p:nvPr>
+            <p:ph type="sldImg"/>
+          </p:nvPr>
+        </p:nvSpPr>
+        <p:spPr/>
+      </p:sp>
+      <p:sp>
+        <p:nvSpPr>
+          <p:cNvPr id="3" name="Notes Placeholder 2"/>
+          <p:cNvSpPr>
+            <a:spLocks noGrp="1"/>
+          </p:cNvSpPr>
+          <p:nvPr>
+            <p:ph type="body" idx="1"/>
+          </p:nvPr>
+        </p:nvSpPr>
+        <p:spPr/>
+        <p:txBody>
+          <a:bodyPr/>
+          <a:lstStyle/>
+          <a:p>
+            <a:endParaRPr lang="en-US" dirty="0"/>
+          </a:p>
+        </p:txBody>
+      </p:sp>
+      <p:sp>
+        <p:nvSpPr>
+          <p:cNvPr id="4" name="Slide Number Placeholder 3"/>
+          <p:cNvSpPr>
+            <a:spLocks noGrp="1"/>
+          </p:cNvSpPr>
+          <p:nvPr>
+            <p:ph type="sldNum" sz="quarter" idx="5"/>
+          </p:nvPr>
+        </p:nvSpPr>
+        <p:spPr/>
+        <p:txBody>
+          <a:bodyPr/>
+          <a:lstStyle/>
+          <a:p>
+            <a:fld id="{ED898EEC-85A9-364D-9B4F-E55F826AC24C}" type="slidenum">
+              <a:rPr lang="en-US" smtClean="0"/>
+              <a:t>10</a:t>
+            </a:fld>
+            <a:endParaRPr lang="en-US"/>
+          </a:p>
+        </p:txBody>
+      </p:sp>
+    </p:spTree>
+    <p:extLst>
+      <p:ext uri="{BB962C8B-B14F-4D97-AF65-F5344CB8AC3E}">
+        <p14:creationId xmlns:p14="http://schemas.microsoft.com/office/powerpoint/2010/main" val="4220423471"/>
+      </p:ext>
+    </p:extLst>
+  </p:cSld>
+  <p:clrMapOvr>
+    <a:masterClrMapping/>
+  </p:clrMapOvr>
+</p:notes>
 </file>
 
 <file path=ppt/slideLayouts/slideLayout1.xml><?xml version="1.0" encoding="utf-8"?>
@@ -153,10 +606,9 @@
           <a:lstStyle/>
           <a:p>
             <a:r>
-              <a:rPr lang="en-US" smtClean="0"/>
+              <a:rPr lang="en-US"/>
               <a:t>Click to edit Master title style</a:t>
             </a:r>
-            <a:endParaRPr lang="en-US"/>
           </a:p>
         </p:txBody>
       </p:sp>
@@ -272,10 +724,9 @@
           </a:lstStyle>
           <a:p>
             <a:r>
-              <a:rPr lang="en-US" smtClean="0"/>
+              <a:rPr lang="en-US"/>
               <a:t>Click to edit Master subtitle style</a:t>
             </a:r>
-            <a:endParaRPr lang="en-US"/>
           </a:p>
         </p:txBody>
       </p:sp>
@@ -296,7 +747,7 @@
           <a:p>
             <a:fld id="{FD2CACAB-758A-4262-835B-8E664503B6C6}" type="datetimeFigureOut">
               <a:rPr lang="en-US" smtClean="0"/>
-              <a:t>11/29/2018</a:t>
+              <a:t>11/29/18</a:t>
             </a:fld>
             <a:endParaRPr lang="en-US"/>
           </a:p>
@@ -354,13 +805,6 @@
   <p:clrMapOvr>
     <a:masterClrMapping/>
   </p:clrMapOvr>
-  <p:timing>
-    <p:tnLst>
-      <p:par>
-        <p:cTn id="1" dur="indefinite" restart="never" nodeType="tmRoot"/>
-      </p:par>
-    </p:tnLst>
-  </p:timing>
 </p:sldLayout>
 </file>
 
@@ -397,10 +841,9 @@
           <a:lstStyle/>
           <a:p>
             <a:r>
-              <a:rPr lang="en-US" smtClean="0"/>
+              <a:rPr lang="en-US"/>
               <a:t>Click to edit Master title style</a:t>
             </a:r>
-            <a:endParaRPr lang="en-US"/>
           </a:p>
         </p:txBody>
       </p:sp>
@@ -421,38 +864,37 @@
           <a:p>
             <a:pPr lvl="0"/>
             <a:r>
-              <a:rPr lang="en-US" smtClean="0"/>
+              <a:rPr lang="en-US"/>
               <a:t>Click to edit Master text styles</a:t>
             </a:r>
           </a:p>
           <a:p>
             <a:pPr lvl="1"/>
             <a:r>
-              <a:rPr lang="en-US" smtClean="0"/>
+              <a:rPr lang="en-US"/>
               <a:t>Second level</a:t>
             </a:r>
           </a:p>
           <a:p>
             <a:pPr lvl="2"/>
             <a:r>
-              <a:rPr lang="en-US" smtClean="0"/>
+              <a:rPr lang="en-US"/>
               <a:t>Third level</a:t>
             </a:r>
           </a:p>
           <a:p>
             <a:pPr lvl="3"/>
             <a:r>
-              <a:rPr lang="en-US" smtClean="0"/>
+              <a:rPr lang="en-US"/>
               <a:t>Fourth level</a:t>
             </a:r>
           </a:p>
           <a:p>
             <a:pPr lvl="4"/>
             <a:r>
-              <a:rPr lang="en-US" smtClean="0"/>
+              <a:rPr lang="en-US"/>
               <a:t>Fifth level</a:t>
             </a:r>
-            <a:endParaRPr lang="en-US"/>
           </a:p>
         </p:txBody>
       </p:sp>
@@ -473,7 +915,7 @@
           <a:p>
             <a:fld id="{FD2CACAB-758A-4262-835B-8E664503B6C6}" type="datetimeFigureOut">
               <a:rPr lang="en-US" smtClean="0"/>
-              <a:t>11/29/2018</a:t>
+              <a:t>11/29/18</a:t>
             </a:fld>
             <a:endParaRPr lang="en-US"/>
           </a:p>
@@ -572,10 +1014,9 @@
           <a:lstStyle/>
           <a:p>
             <a:r>
-              <a:rPr lang="en-US" smtClean="0"/>
+              <a:rPr lang="en-US"/>
               <a:t>Click to edit Master title style</a:t>
             </a:r>
-            <a:endParaRPr lang="en-US"/>
           </a:p>
         </p:txBody>
       </p:sp>
@@ -601,38 +1042,37 @@
           <a:p>
             <a:pPr lvl="0"/>
             <a:r>
-              <a:rPr lang="en-US" smtClean="0"/>
+              <a:rPr lang="en-US"/>
               <a:t>Click to edit Master text styles</a:t>
             </a:r>
           </a:p>
           <a:p>
             <a:pPr lvl="1"/>
             <a:r>
-              <a:rPr lang="en-US" smtClean="0"/>
+              <a:rPr lang="en-US"/>
               <a:t>Second level</a:t>
             </a:r>
           </a:p>
           <a:p>
             <a:pPr lvl="2"/>
             <a:r>
-              <a:rPr lang="en-US" smtClean="0"/>
+              <a:rPr lang="en-US"/>
               <a:t>Third level</a:t>
             </a:r>
           </a:p>
           <a:p>
             <a:pPr lvl="3"/>
             <a:r>
-              <a:rPr lang="en-US" smtClean="0"/>
+              <a:rPr lang="en-US"/>
               <a:t>Fourth level</a:t>
             </a:r>
           </a:p>
           <a:p>
             <a:pPr lvl="4"/>
             <a:r>
-              <a:rPr lang="en-US" smtClean="0"/>
+              <a:rPr lang="en-US"/>
               <a:t>Fifth level</a:t>
             </a:r>
-            <a:endParaRPr lang="en-US"/>
           </a:p>
         </p:txBody>
       </p:sp>
@@ -653,7 +1093,7 @@
           <a:p>
             <a:fld id="{FD2CACAB-758A-4262-835B-8E664503B6C6}" type="datetimeFigureOut">
               <a:rPr lang="en-US" smtClean="0"/>
-              <a:t>11/29/2018</a:t>
+              <a:t>11/29/18</a:t>
             </a:fld>
             <a:endParaRPr lang="en-US"/>
           </a:p>
@@ -747,10 +1187,9 @@
           <a:lstStyle/>
           <a:p>
             <a:r>
-              <a:rPr lang="en-US" smtClean="0"/>
+              <a:rPr lang="en-US"/>
               <a:t>Click to edit Master title style</a:t>
             </a:r>
-            <a:endParaRPr lang="en-US"/>
           </a:p>
         </p:txBody>
       </p:sp>
@@ -771,38 +1210,37 @@
           <a:p>
             <a:pPr lvl="0"/>
             <a:r>
-              <a:rPr lang="en-US" smtClean="0"/>
+              <a:rPr lang="en-US"/>
               <a:t>Click to edit Master text styles</a:t>
             </a:r>
           </a:p>
           <a:p>
             <a:pPr lvl="1"/>
             <a:r>
-              <a:rPr lang="en-US" smtClean="0"/>
+              <a:rPr lang="en-US"/>
               <a:t>Second level</a:t>
             </a:r>
           </a:p>
           <a:p>
             <a:pPr lvl="2"/>
             <a:r>
-              <a:rPr lang="en-US" smtClean="0"/>
+              <a:rPr lang="en-US"/>
               <a:t>Third level</a:t>
             </a:r>
           </a:p>
           <a:p>
             <a:pPr lvl="3"/>
             <a:r>
-              <a:rPr lang="en-US" smtClean="0"/>
+              <a:rPr lang="en-US"/>
               <a:t>Fourth level</a:t>
             </a:r>
           </a:p>
           <a:p>
             <a:pPr lvl="4"/>
             <a:r>
-              <a:rPr lang="en-US" smtClean="0"/>
+              <a:rPr lang="en-US"/>
               <a:t>Fifth level</a:t>
             </a:r>
-            <a:endParaRPr lang="en-US"/>
           </a:p>
         </p:txBody>
       </p:sp>
@@ -823,7 +1261,7 @@
           <a:p>
             <a:fld id="{FD2CACAB-758A-4262-835B-8E664503B6C6}" type="datetimeFigureOut">
               <a:rPr lang="en-US" smtClean="0"/>
-              <a:t>11/29/2018</a:t>
+              <a:t>11/29/18</a:t>
             </a:fld>
             <a:endParaRPr lang="en-US"/>
           </a:p>
@@ -926,10 +1364,9 @@
           </a:lstStyle>
           <a:p>
             <a:r>
-              <a:rPr lang="en-US" smtClean="0"/>
+              <a:rPr lang="en-US"/>
               <a:t>Click to edit Master title style</a:t>
             </a:r>
-            <a:endParaRPr lang="en-US"/>
           </a:p>
         </p:txBody>
       </p:sp>
@@ -1046,7 +1483,7 @@
           <a:p>
             <a:pPr lvl="0"/>
             <a:r>
-              <a:rPr lang="en-US" smtClean="0"/>
+              <a:rPr lang="en-US"/>
               <a:t>Click to edit Master text styles</a:t>
             </a:r>
           </a:p>
@@ -1069,7 +1506,7 @@
           <a:p>
             <a:fld id="{FD2CACAB-758A-4262-835B-8E664503B6C6}" type="datetimeFigureOut">
               <a:rPr lang="en-US" smtClean="0"/>
-              <a:t>11/29/2018</a:t>
+              <a:t>11/29/18</a:t>
             </a:fld>
             <a:endParaRPr lang="en-US"/>
           </a:p>
@@ -1163,10 +1600,9 @@
           <a:lstStyle/>
           <a:p>
             <a:r>
-              <a:rPr lang="en-US" smtClean="0"/>
+              <a:rPr lang="en-US"/>
               <a:t>Click to edit Master title style</a:t>
             </a:r>
-            <a:endParaRPr lang="en-US"/>
           </a:p>
         </p:txBody>
       </p:sp>
@@ -1220,38 +1656,37 @@
           <a:p>
             <a:pPr lvl="0"/>
             <a:r>
-              <a:rPr lang="en-US" smtClean="0"/>
+              <a:rPr lang="en-US"/>
               <a:t>Click to edit Master text styles</a:t>
             </a:r>
           </a:p>
           <a:p>
             <a:pPr lvl="1"/>
             <a:r>
-              <a:rPr lang="en-US" smtClean="0"/>
+              <a:rPr lang="en-US"/>
               <a:t>Second level</a:t>
             </a:r>
           </a:p>
           <a:p>
             <a:pPr lvl="2"/>
             <a:r>
-              <a:rPr lang="en-US" smtClean="0"/>
+              <a:rPr lang="en-US"/>
               <a:t>Third level</a:t>
             </a:r>
           </a:p>
           <a:p>
             <a:pPr lvl="3"/>
             <a:r>
-              <a:rPr lang="en-US" smtClean="0"/>
+              <a:rPr lang="en-US"/>
               <a:t>Fourth level</a:t>
             </a:r>
           </a:p>
           <a:p>
             <a:pPr lvl="4"/>
             <a:r>
-              <a:rPr lang="en-US" smtClean="0"/>
+              <a:rPr lang="en-US"/>
               <a:t>Fifth level</a:t>
             </a:r>
-            <a:endParaRPr lang="en-US"/>
           </a:p>
         </p:txBody>
       </p:sp>
@@ -1305,38 +1740,37 @@
           <a:p>
             <a:pPr lvl="0"/>
             <a:r>
-              <a:rPr lang="en-US" smtClean="0"/>
+              <a:rPr lang="en-US"/>
               <a:t>Click to edit Master text styles</a:t>
             </a:r>
           </a:p>
           <a:p>
             <a:pPr lvl="1"/>
             <a:r>
-              <a:rPr lang="en-US" smtClean="0"/>
+              <a:rPr lang="en-US"/>
               <a:t>Second level</a:t>
             </a:r>
           </a:p>
           <a:p>
             <a:pPr lvl="2"/>
             <a:r>
-              <a:rPr lang="en-US" smtClean="0"/>
+              <a:rPr lang="en-US"/>
               <a:t>Third level</a:t>
             </a:r>
           </a:p>
           <a:p>
             <a:pPr lvl="3"/>
             <a:r>
-              <a:rPr lang="en-US" smtClean="0"/>
+              <a:rPr lang="en-US"/>
               <a:t>Fourth level</a:t>
             </a:r>
           </a:p>
           <a:p>
             <a:pPr lvl="4"/>
             <a:r>
-              <a:rPr lang="en-US" smtClean="0"/>
+              <a:rPr lang="en-US"/>
               <a:t>Fifth level</a:t>
             </a:r>
-            <a:endParaRPr lang="en-US"/>
           </a:p>
         </p:txBody>
       </p:sp>
@@ -1357,7 +1791,7 @@
           <a:p>
             <a:fld id="{FD2CACAB-758A-4262-835B-8E664503B6C6}" type="datetimeFigureOut">
               <a:rPr lang="en-US" smtClean="0"/>
-              <a:t>11/29/2018</a:t>
+              <a:t>11/29/18</a:t>
             </a:fld>
             <a:endParaRPr lang="en-US"/>
           </a:p>
@@ -1455,10 +1889,9 @@
           </a:lstStyle>
           <a:p>
             <a:r>
-              <a:rPr lang="en-US" smtClean="0"/>
+              <a:rPr lang="en-US"/>
               <a:t>Click to edit Master title style</a:t>
             </a:r>
-            <a:endParaRPr lang="en-US"/>
           </a:p>
         </p:txBody>
       </p:sp>
@@ -1521,7 +1954,7 @@
           <a:p>
             <a:pPr lvl="0"/>
             <a:r>
-              <a:rPr lang="en-US" smtClean="0"/>
+              <a:rPr lang="en-US"/>
               <a:t>Click to edit Master text styles</a:t>
             </a:r>
           </a:p>
@@ -1577,38 +2010,37 @@
           <a:p>
             <a:pPr lvl="0"/>
             <a:r>
-              <a:rPr lang="en-US" smtClean="0"/>
+              <a:rPr lang="en-US"/>
               <a:t>Click to edit Master text styles</a:t>
             </a:r>
           </a:p>
           <a:p>
             <a:pPr lvl="1"/>
             <a:r>
-              <a:rPr lang="en-US" smtClean="0"/>
+              <a:rPr lang="en-US"/>
               <a:t>Second level</a:t>
             </a:r>
           </a:p>
           <a:p>
             <a:pPr lvl="2"/>
             <a:r>
-              <a:rPr lang="en-US" smtClean="0"/>
+              <a:rPr lang="en-US"/>
               <a:t>Third level</a:t>
             </a:r>
           </a:p>
           <a:p>
             <a:pPr lvl="3"/>
             <a:r>
-              <a:rPr lang="en-US" smtClean="0"/>
+              <a:rPr lang="en-US"/>
               <a:t>Fourth level</a:t>
             </a:r>
           </a:p>
           <a:p>
             <a:pPr lvl="4"/>
             <a:r>
-              <a:rPr lang="en-US" smtClean="0"/>
+              <a:rPr lang="en-US"/>
               <a:t>Fifth level</a:t>
             </a:r>
-            <a:endParaRPr lang="en-US"/>
           </a:p>
         </p:txBody>
       </p:sp>
@@ -1671,7 +2103,7 @@
           <a:p>
             <a:pPr lvl="0"/>
             <a:r>
-              <a:rPr lang="en-US" smtClean="0"/>
+              <a:rPr lang="en-US"/>
               <a:t>Click to edit Master text styles</a:t>
             </a:r>
           </a:p>
@@ -1727,38 +2159,37 @@
           <a:p>
             <a:pPr lvl="0"/>
             <a:r>
-              <a:rPr lang="en-US" smtClean="0"/>
+              <a:rPr lang="en-US"/>
               <a:t>Click to edit Master text styles</a:t>
             </a:r>
           </a:p>
           <a:p>
             <a:pPr lvl="1"/>
             <a:r>
-              <a:rPr lang="en-US" smtClean="0"/>
+              <a:rPr lang="en-US"/>
               <a:t>Second level</a:t>
             </a:r>
           </a:p>
           <a:p>
             <a:pPr lvl="2"/>
             <a:r>
-              <a:rPr lang="en-US" smtClean="0"/>
+              <a:rPr lang="en-US"/>
               <a:t>Third level</a:t>
             </a:r>
           </a:p>
           <a:p>
             <a:pPr lvl="3"/>
             <a:r>
-              <a:rPr lang="en-US" smtClean="0"/>
+              <a:rPr lang="en-US"/>
               <a:t>Fourth level</a:t>
             </a:r>
           </a:p>
           <a:p>
             <a:pPr lvl="4"/>
             <a:r>
-              <a:rPr lang="en-US" smtClean="0"/>
+              <a:rPr lang="en-US"/>
               <a:t>Fifth level</a:t>
             </a:r>
-            <a:endParaRPr lang="en-US"/>
           </a:p>
         </p:txBody>
       </p:sp>
@@ -1779,7 +2210,7 @@
           <a:p>
             <a:fld id="{FD2CACAB-758A-4262-835B-8E664503B6C6}" type="datetimeFigureOut">
               <a:rPr lang="en-US" smtClean="0"/>
-              <a:t>11/29/2018</a:t>
+              <a:t>11/29/18</a:t>
             </a:fld>
             <a:endParaRPr lang="en-US"/>
           </a:p>
@@ -1873,10 +2304,9 @@
           <a:lstStyle/>
           <a:p>
             <a:r>
-              <a:rPr lang="en-US" smtClean="0"/>
+              <a:rPr lang="en-US"/>
               <a:t>Click to edit Master title style</a:t>
             </a:r>
-            <a:endParaRPr lang="en-US"/>
           </a:p>
         </p:txBody>
       </p:sp>
@@ -1897,7 +2327,7 @@
           <a:p>
             <a:fld id="{FD2CACAB-758A-4262-835B-8E664503B6C6}" type="datetimeFigureOut">
               <a:rPr lang="en-US" smtClean="0"/>
-              <a:t>11/29/2018</a:t>
+              <a:t>11/29/18</a:t>
             </a:fld>
             <a:endParaRPr lang="en-US"/>
           </a:p>
@@ -1992,7 +2422,7 @@
           <a:p>
             <a:fld id="{FD2CACAB-758A-4262-835B-8E664503B6C6}" type="datetimeFigureOut">
               <a:rPr lang="en-US" smtClean="0"/>
-              <a:t>11/29/2018</a:t>
+              <a:t>11/29/18</a:t>
             </a:fld>
             <a:endParaRPr lang="en-US"/>
           </a:p>
@@ -2095,10 +2525,9 @@
           </a:lstStyle>
           <a:p>
             <a:r>
-              <a:rPr lang="en-US" smtClean="0"/>
+              <a:rPr lang="en-US"/>
               <a:t>Click to edit Master title style</a:t>
             </a:r>
-            <a:endParaRPr lang="en-US"/>
           </a:p>
         </p:txBody>
       </p:sp>
@@ -2152,38 +2581,37 @@
           <a:p>
             <a:pPr lvl="0"/>
             <a:r>
-              <a:rPr lang="en-US" smtClean="0"/>
+              <a:rPr lang="en-US"/>
               <a:t>Click to edit Master text styles</a:t>
             </a:r>
           </a:p>
           <a:p>
             <a:pPr lvl="1"/>
             <a:r>
-              <a:rPr lang="en-US" smtClean="0"/>
+              <a:rPr lang="en-US"/>
               <a:t>Second level</a:t>
             </a:r>
           </a:p>
           <a:p>
             <a:pPr lvl="2"/>
             <a:r>
-              <a:rPr lang="en-US" smtClean="0"/>
+              <a:rPr lang="en-US"/>
               <a:t>Third level</a:t>
             </a:r>
           </a:p>
           <a:p>
             <a:pPr lvl="3"/>
             <a:r>
-              <a:rPr lang="en-US" smtClean="0"/>
+              <a:rPr lang="en-US"/>
               <a:t>Fourth level</a:t>
             </a:r>
           </a:p>
           <a:p>
             <a:pPr lvl="4"/>
             <a:r>
-              <a:rPr lang="en-US" smtClean="0"/>
+              <a:rPr lang="en-US"/>
               <a:t>Fifth level</a:t>
             </a:r>
-            <a:endParaRPr lang="en-US"/>
           </a:p>
         </p:txBody>
       </p:sp>
@@ -2246,7 +2674,7 @@
           <a:p>
             <a:pPr lvl="0"/>
             <a:r>
-              <a:rPr lang="en-US" smtClean="0"/>
+              <a:rPr lang="en-US"/>
               <a:t>Click to edit Master text styles</a:t>
             </a:r>
           </a:p>
@@ -2269,7 +2697,7 @@
           <a:p>
             <a:fld id="{FD2CACAB-758A-4262-835B-8E664503B6C6}" type="datetimeFigureOut">
               <a:rPr lang="en-US" smtClean="0"/>
-              <a:t>11/29/2018</a:t>
+              <a:t>11/29/18</a:t>
             </a:fld>
             <a:endParaRPr lang="en-US"/>
           </a:p>
@@ -2372,10 +2800,9 @@
           </a:lstStyle>
           <a:p>
             <a:r>
-              <a:rPr lang="en-US" smtClean="0"/>
+              <a:rPr lang="en-US"/>
               <a:t>Click to edit Master title style</a:t>
             </a:r>
-            <a:endParaRPr lang="en-US"/>
           </a:p>
         </p:txBody>
       </p:sp>
@@ -2499,7 +2926,7 @@
           <a:p>
             <a:pPr lvl="0"/>
             <a:r>
-              <a:rPr lang="en-US" smtClean="0"/>
+              <a:rPr lang="en-US"/>
               <a:t>Click to edit Master text styles</a:t>
             </a:r>
           </a:p>
@@ -2522,7 +2949,7 @@
           <a:p>
             <a:fld id="{FD2CACAB-758A-4262-835B-8E664503B6C6}" type="datetimeFigureOut">
               <a:rPr lang="en-US" smtClean="0"/>
-              <a:t>11/29/2018</a:t>
+              <a:t>11/29/18</a:t>
             </a:fld>
             <a:endParaRPr lang="en-US"/>
           </a:p>
@@ -2631,10 +3058,9 @@
           <a:lstStyle/>
           <a:p>
             <a:r>
-              <a:rPr lang="en-US" smtClean="0"/>
+              <a:rPr lang="en-US"/>
               <a:t>Click to edit Master title style</a:t>
             </a:r>
-            <a:endParaRPr lang="en-US"/>
           </a:p>
         </p:txBody>
       </p:sp>
@@ -2665,38 +3091,37 @@
           <a:p>
             <a:pPr lvl="0"/>
             <a:r>
-              <a:rPr lang="en-US" smtClean="0"/>
+              <a:rPr lang="en-US"/>
               <a:t>Click to edit Master text styles</a:t>
             </a:r>
           </a:p>
           <a:p>
             <a:pPr lvl="1"/>
             <a:r>
-              <a:rPr lang="en-US" smtClean="0"/>
+              <a:rPr lang="en-US"/>
               <a:t>Second level</a:t>
             </a:r>
           </a:p>
           <a:p>
             <a:pPr lvl="2"/>
             <a:r>
-              <a:rPr lang="en-US" smtClean="0"/>
+              <a:rPr lang="en-US"/>
               <a:t>Third level</a:t>
             </a:r>
           </a:p>
           <a:p>
             <a:pPr lvl="3"/>
             <a:r>
-              <a:rPr lang="en-US" smtClean="0"/>
+              <a:rPr lang="en-US"/>
               <a:t>Fourth level</a:t>
             </a:r>
           </a:p>
           <a:p>
             <a:pPr lvl="4"/>
             <a:r>
-              <a:rPr lang="en-US" smtClean="0"/>
+              <a:rPr lang="en-US"/>
               <a:t>Fifth level</a:t>
             </a:r>
-            <a:endParaRPr lang="en-US"/>
           </a:p>
         </p:txBody>
       </p:sp>
@@ -2735,7 +3160,7 @@
           <a:p>
             <a:fld id="{FD2CACAB-758A-4262-835B-8E664503B6C6}" type="datetimeFigureOut">
               <a:rPr lang="en-US" smtClean="0"/>
-              <a:t>11/29/2018</a:t>
+              <a:t>11/29/18</a:t>
             </a:fld>
             <a:endParaRPr lang="en-US"/>
           </a:p>
@@ -2840,13 +3265,6 @@
     <p:sldLayoutId id="2147483658" r:id="rId10"/>
     <p:sldLayoutId id="2147483659" r:id="rId11"/>
   </p:sldLayoutIdLst>
-  <p:timing>
-    <p:tnLst>
-      <p:par>
-        <p:cTn id="1" dur="indefinite" restart="never" nodeType="tmRoot"/>
-      </p:par>
-    </p:tnLst>
-  </p:timing>
   <p:txStyles>
     <p:titleStyle>
       <a:lvl1pPr algn="ctr" defTabSz="914400" rtl="0" eaLnBrk="1" latinLnBrk="0" hangingPunct="1">
@@ -3211,27 +3629,15 @@
           <a:lstStyle/>
           <a:p>
             <a:r>
-              <a:rPr lang="en-CA" b="1" dirty="0" smtClean="0"/>
-              <a:t>The Effects of Net </a:t>
-            </a:r>
-            <a:r>
               <a:rPr lang="en-CA" b="1" dirty="0"/>
-              <a:t>Migration </a:t>
-            </a:r>
-            <a:r>
-              <a:rPr lang="en-CA" b="1" dirty="0" smtClean="0"/>
-              <a:t/>
+              <a:t>The Effects of Net Migration </a:t>
             </a:r>
             <a:br>
-              <a:rPr lang="en-CA" b="1" dirty="0" smtClean="0"/>
+              <a:rPr lang="en-CA" b="1" dirty="0"/>
             </a:br>
             <a:r>
-              <a:rPr lang="en-CA" b="1" dirty="0" smtClean="0"/>
-              <a:t>in </a:t>
-            </a:r>
-            <a:r>
               <a:rPr lang="en-CA" b="1" dirty="0"/>
-              <a:t>Canada </a:t>
+              <a:t>in Canada </a:t>
             </a:r>
             <a:endParaRPr lang="en-US" b="1" dirty="0"/>
           </a:p>
@@ -3260,28 +3666,24 @@
           <a:p>
             <a:pPr algn="ctr"/>
             <a:r>
-              <a:rPr lang="en-US" sz="3200" b="1" dirty="0" smtClean="0"/>
+              <a:rPr lang="en-US" sz="3200" b="1" dirty="0"/>
               <a:t>Presented by :</a:t>
             </a:r>
           </a:p>
           <a:p>
             <a:pPr algn="ctr"/>
             <a:r>
-              <a:rPr lang="en-US" sz="3200" b="1" dirty="0" smtClean="0"/>
+              <a:rPr lang="en-US" sz="3200" b="1" dirty="0"/>
               <a:t>Purnima, Jodi, Bobby, Sam, Andre</a:t>
             </a:r>
-            <a:endParaRPr lang="en-US" sz="3200" b="1" dirty="0" smtClean="0">
+            <a:endParaRPr lang="en-US" sz="3200" b="1" dirty="0">
               <a:effectLst/>
             </a:endParaRPr>
           </a:p>
           <a:p>
             <a:pPr algn="ctr"/>
-            <a:r>
-              <a:rPr lang="en-US" sz="3200" b="1" dirty="0" smtClean="0"/>
-              <a:t/>
-            </a:r>
             <a:br>
-              <a:rPr lang="en-US" sz="3200" b="1" dirty="0" smtClean="0"/>
+              <a:rPr lang="en-US" sz="3200" b="1" dirty="0"/>
             </a:br>
             <a:endParaRPr lang="en-US" sz="3200" b="1" dirty="0"/>
           </a:p>
@@ -3297,13 +3699,109 @@
   <p:clrMapOvr>
     <a:masterClrMapping/>
   </p:clrMapOvr>
-  <p:timing>
-    <p:tnLst>
-      <p:par>
-        <p:cTn id="1" dur="indefinite" restart="never" nodeType="tmRoot"/>
-      </p:par>
-    </p:tnLst>
-  </p:timing>
+</p:sld>
+</file>
+
+<file path=ppt/slides/slide10.xml><?xml version="1.0" encoding="utf-8"?>
+<p:sld xmlns:a="http://schemas.openxmlformats.org/drawingml/2006/main" xmlns:r="http://schemas.openxmlformats.org/officeDocument/2006/relationships" xmlns:p="http://schemas.openxmlformats.org/presentationml/2006/main">
+  <p:cSld>
+    <p:spTree>
+      <p:nvGrpSpPr>
+        <p:cNvPr id="1" name=""/>
+        <p:cNvGrpSpPr/>
+        <p:nvPr/>
+      </p:nvGrpSpPr>
+      <p:grpSpPr>
+        <a:xfrm>
+          <a:off x="0" y="0"/>
+          <a:ext cx="0" cy="0"/>
+          <a:chOff x="0" y="0"/>
+          <a:chExt cx="0" cy="0"/>
+        </a:xfrm>
+      </p:grpSpPr>
+      <p:sp>
+        <p:nvSpPr>
+          <p:cNvPr id="2" name="Title 1"/>
+          <p:cNvSpPr>
+            <a:spLocks noGrp="1"/>
+          </p:cNvSpPr>
+          <p:nvPr>
+            <p:ph type="title"/>
+          </p:nvPr>
+        </p:nvSpPr>
+        <p:spPr/>
+        <p:txBody>
+          <a:bodyPr/>
+          <a:lstStyle/>
+          <a:p>
+            <a:r>
+              <a:rPr lang="en-CA" dirty="0"/>
+              <a:t>Conclusions</a:t>
+            </a:r>
+            <a:endParaRPr lang="en-US" dirty="0"/>
+          </a:p>
+        </p:txBody>
+      </p:sp>
+      <p:sp>
+        <p:nvSpPr>
+          <p:cNvPr id="3" name="Content Placeholder 2"/>
+          <p:cNvSpPr>
+            <a:spLocks noGrp="1"/>
+          </p:cNvSpPr>
+          <p:nvPr>
+            <p:ph idx="1"/>
+          </p:nvPr>
+        </p:nvSpPr>
+        <p:spPr>
+          <a:xfrm>
+            <a:off x="762000" y="2438400"/>
+            <a:ext cx="7620000" cy="2743200"/>
+          </a:xfrm>
+        </p:spPr>
+        <p:txBody>
+          <a:bodyPr>
+            <a:normAutofit lnSpcReduction="10000"/>
+          </a:bodyPr>
+          <a:lstStyle/>
+          <a:p>
+            <a:pPr fontAlgn="base"/>
+            <a:r>
+              <a:rPr lang="en-CA" sz="2400" dirty="0"/>
+              <a:t>There are some correlation between migration and factors like national income, GDP, crime rate  and unemployment</a:t>
+            </a:r>
+          </a:p>
+          <a:p>
+            <a:pPr fontAlgn="base"/>
+            <a:r>
+              <a:rPr lang="en-CA" sz="2400" dirty="0"/>
+              <a:t>But, there are many other economic, government and other factors that affect migration</a:t>
+            </a:r>
+          </a:p>
+          <a:p>
+            <a:pPr fontAlgn="base"/>
+            <a:r>
+              <a:rPr lang="en-CA" sz="2400" dirty="0"/>
+              <a:t>Data limitation is one of the factor that we cannot deduct relation with confidence</a:t>
+            </a:r>
+          </a:p>
+          <a:p>
+            <a:pPr marL="0" indent="0" fontAlgn="base">
+              <a:buNone/>
+            </a:pPr>
+            <a:endParaRPr lang="en-CA" sz="2400" dirty="0"/>
+          </a:p>
+        </p:txBody>
+      </p:sp>
+    </p:spTree>
+    <p:extLst>
+      <p:ext uri="{BB962C8B-B14F-4D97-AF65-F5344CB8AC3E}">
+        <p14:creationId xmlns:p14="http://schemas.microsoft.com/office/powerpoint/2010/main" val="4187017143"/>
+      </p:ext>
+    </p:extLst>
+  </p:cSld>
+  <p:clrMapOvr>
+    <a:masterClrMapping/>
+  </p:clrMapOvr>
 </p:sld>
 </file>
 
@@ -3341,19 +3839,15 @@
           </a:bodyPr>
           <a:lstStyle/>
           <a:p>
-            <a:r>
-              <a:rPr lang="en-CA" dirty="0" smtClean="0"/>
-              <a:t/>
-            </a:r>
             <a:br>
-              <a:rPr lang="en-CA" dirty="0" smtClean="0"/>
+              <a:rPr lang="en-CA" dirty="0"/>
             </a:br>
             <a:r>
-              <a:rPr lang="en-CA" dirty="0" smtClean="0"/>
+              <a:rPr lang="en-CA" dirty="0"/>
               <a:t>Agenda</a:t>
             </a:r>
             <a:br>
-              <a:rPr lang="en-CA" dirty="0" smtClean="0"/>
+              <a:rPr lang="en-CA" dirty="0"/>
             </a:br>
             <a:endParaRPr lang="en-US" dirty="0"/>
           </a:p>
@@ -3411,8 +3905,8 @@
         </p:nvSpPr>
         <p:spPr>
           <a:xfrm>
-            <a:off x="457200" y="1676400"/>
-            <a:ext cx="8305799" cy="4038600"/>
+            <a:off x="2590800" y="2208869"/>
+            <a:ext cx="4952999" cy="2286000"/>
           </a:xfrm>
           <a:prstGeom prst="rect">
             <a:avLst/>
@@ -3565,11 +4059,7 @@
               <a:buAutoNum type="arabicPeriod"/>
             </a:pPr>
             <a:r>
-              <a:rPr lang="en-CA" sz="2000" dirty="0" smtClean="0">
-                <a:solidFill>
-                  <a:schemeClr val="tx2"/>
-                </a:solidFill>
-              </a:rPr>
+              <a:rPr lang="en-CA" sz="2000" dirty="0"/>
               <a:t>Introduction &amp; Problem Statement</a:t>
             </a:r>
           </a:p>
@@ -3579,11 +4069,7 @@
               <a:buAutoNum type="arabicPeriod"/>
             </a:pPr>
             <a:r>
-              <a:rPr lang="en-CA" sz="2000" dirty="0" smtClean="0">
-                <a:solidFill>
-                  <a:schemeClr val="tx2"/>
-                </a:solidFill>
-              </a:rPr>
+              <a:rPr lang="en-CA" sz="2000" dirty="0"/>
               <a:t>Methods </a:t>
             </a:r>
           </a:p>
@@ -3593,11 +4079,7 @@
               <a:buAutoNum type="arabicPeriod"/>
             </a:pPr>
             <a:r>
-              <a:rPr lang="en-CA" sz="2000" dirty="0" smtClean="0">
-                <a:solidFill>
-                  <a:schemeClr val="tx2"/>
-                </a:solidFill>
-              </a:rPr>
+              <a:rPr lang="en-CA" sz="2000" dirty="0"/>
               <a:t>Findings</a:t>
             </a:r>
           </a:p>
@@ -3607,11 +4089,7 @@
               <a:buAutoNum type="arabicPeriod"/>
             </a:pPr>
             <a:r>
-              <a:rPr lang="en-CA" sz="2000" dirty="0" smtClean="0">
-                <a:solidFill>
-                  <a:schemeClr val="tx2"/>
-                </a:solidFill>
-              </a:rPr>
+              <a:rPr lang="en-CA" sz="2000" dirty="0"/>
               <a:t>Conclusions</a:t>
             </a:r>
           </a:p>
@@ -3621,18 +4099,9 @@
               <a:buAutoNum type="arabicPeriod"/>
             </a:pPr>
             <a:r>
-              <a:rPr lang="en-CA" sz="2000" dirty="0" smtClean="0">
-                <a:solidFill>
-                  <a:schemeClr val="tx2"/>
-                </a:solidFill>
-              </a:rPr>
+              <a:rPr lang="en-CA" sz="2000" dirty="0"/>
               <a:t>Implications &amp; Discussion</a:t>
             </a:r>
-            <a:endParaRPr lang="en-CA" sz="2000" dirty="0">
-              <a:solidFill>
-                <a:schemeClr val="tx2"/>
-              </a:solidFill>
-            </a:endParaRPr>
           </a:p>
         </p:txBody>
       </p:sp>
@@ -3646,13 +4115,6 @@
   <p:clrMapOvr>
     <a:masterClrMapping/>
   </p:clrMapOvr>
-  <p:timing>
-    <p:tnLst>
-      <p:par>
-        <p:cTn id="1" dur="indefinite" restart="never" nodeType="tmRoot"/>
-      </p:par>
-    </p:tnLst>
-  </p:timing>
 </p:sld>
 </file>
 
@@ -3691,7 +4153,7 @@
           <a:lstStyle/>
           <a:p>
             <a:r>
-              <a:rPr lang="en-CA" dirty="0" smtClean="0"/>
+              <a:rPr lang="en-CA" dirty="0"/>
               <a:t>Introduction and Problem statement</a:t>
             </a:r>
             <a:endParaRPr lang="en-US" dirty="0"/>
@@ -3710,48 +4172,73 @@
         </p:nvSpPr>
         <p:spPr/>
         <p:txBody>
-          <a:bodyPr/>
+          <a:bodyPr>
+            <a:normAutofit/>
+          </a:bodyPr>
           <a:lstStyle/>
           <a:p>
             <a:pPr marL="0" indent="0">
               <a:buNone/>
             </a:pPr>
             <a:r>
-              <a:rPr lang="en-CA" dirty="0" smtClean="0"/>
+              <a:rPr lang="en-CA" dirty="0"/>
               <a:t>We wanted to find out the following: </a:t>
             </a:r>
           </a:p>
           <a:p>
-            <a:pPr fontAlgn="base"/>
-            <a:r>
-              <a:rPr lang="en-CA" dirty="0" smtClean="0"/>
-              <a:t>Does </a:t>
-            </a:r>
+            <a:pPr marL="514350" indent="-514350" fontAlgn="base">
+              <a:buFont typeface="+mj-lt"/>
+              <a:buAutoNum type="arabicPeriod"/>
+            </a:pPr>
             <a:r>
               <a:rPr lang="en-CA" dirty="0"/>
-              <a:t>migration affect the unemployment rate?</a:t>
-            </a:r>
-          </a:p>
-          <a:p>
-            <a:pPr fontAlgn="base"/>
+              <a:t>Does national median income affect migration?</a:t>
+            </a:r>
+          </a:p>
+          <a:p>
+            <a:pPr marL="514350" indent="-514350" fontAlgn="base">
+              <a:buFont typeface="+mj-lt"/>
+              <a:buAutoNum type="arabicPeriod"/>
+            </a:pPr>
+            <a:r>
+              <a:rPr lang="en-CA" dirty="0"/>
+              <a:t>Does migration affect inflation (CPI)?</a:t>
+            </a:r>
+          </a:p>
+          <a:p>
+            <a:pPr marL="514350" indent="-514350" fontAlgn="base">
+              <a:buFont typeface="+mj-lt"/>
+              <a:buAutoNum type="arabicPeriod"/>
+            </a:pPr>
             <a:r>
               <a:rPr lang="en-CA" dirty="0"/>
               <a:t>Does migration affect the crime rate?</a:t>
             </a:r>
           </a:p>
           <a:p>
-            <a:pPr fontAlgn="base"/>
+            <a:pPr marL="514350" indent="-514350" fontAlgn="base">
+              <a:buFont typeface="+mj-lt"/>
+              <a:buAutoNum type="arabicPeriod"/>
+            </a:pPr>
             <a:r>
               <a:rPr lang="en-CA" dirty="0"/>
-              <a:t>Does migration affect GDP per capita</a:t>
-            </a:r>
-            <a:r>
-              <a:rPr lang="en-CA" dirty="0" smtClean="0"/>
-              <a:t>?</a:t>
-            </a:r>
-            <a:endParaRPr lang="en-CA" dirty="0" smtClean="0"/>
-          </a:p>
-          <a:p>
+              <a:t>Does migration affect GDP per capita?</a:t>
+            </a:r>
+          </a:p>
+          <a:p>
+            <a:pPr marL="514350" indent="-514350" fontAlgn="base">
+              <a:buFont typeface="+mj-lt"/>
+              <a:buAutoNum type="arabicPeriod"/>
+            </a:pPr>
+            <a:r>
+              <a:rPr lang="en-CA" dirty="0"/>
+              <a:t>Does migration affect the unemployment rate?</a:t>
+            </a:r>
+          </a:p>
+          <a:p>
+            <a:pPr marL="0" indent="0">
+              <a:buNone/>
+            </a:pPr>
             <a:endParaRPr lang="en-US" dirty="0"/>
           </a:p>
         </p:txBody>
@@ -3766,13 +4253,6 @@
   <p:clrMapOvr>
     <a:masterClrMapping/>
   </p:clrMapOvr>
-  <p:timing>
-    <p:tnLst>
-      <p:par>
-        <p:cTn id="1" dur="indefinite" restart="never" nodeType="tmRoot"/>
-      </p:par>
-    </p:tnLst>
-  </p:timing>
 </p:sld>
 </file>
 
@@ -3809,36 +4289,658 @@
           <a:lstStyle/>
           <a:p>
             <a:r>
-              <a:rPr lang="en-CA" dirty="0" smtClean="0"/>
+              <a:rPr lang="en-CA" dirty="0"/>
               <a:t>Methods</a:t>
             </a:r>
-            <a:endParaRPr lang="en-US" dirty="0"/>
-          </a:p>
-        </p:txBody>
-      </p:sp>
-      <p:sp>
-        <p:nvSpPr>
-          <p:cNvPr id="3" name="Content Placeholder 2"/>
-          <p:cNvSpPr>
-            <a:spLocks noGrp="1"/>
-          </p:cNvSpPr>
-          <p:nvPr>
-            <p:ph idx="1"/>
-          </p:nvPr>
-        </p:nvSpPr>
-        <p:spPr/>
-        <p:txBody>
-          <a:bodyPr/>
-          <a:lstStyle/>
-          <a:p>
-            <a:endParaRPr lang="en-US"/>
+          </a:p>
+        </p:txBody>
+      </p:sp>
+      <p:cxnSp>
+        <p:nvCxnSpPr>
+          <p:cNvPr id="16" name="Curved Connector 15"/>
+          <p:cNvCxnSpPr/>
+          <p:nvPr/>
+        </p:nvCxnSpPr>
+        <p:spPr>
+          <a:xfrm>
+            <a:off x="587829" y="2902087"/>
+            <a:ext cx="2906486" cy="781096"/>
+          </a:xfrm>
+          <a:prstGeom prst="curvedConnector3">
+            <a:avLst/>
+          </a:prstGeom>
+          <a:ln w="38100">
+            <a:tailEnd type="triangle"/>
+          </a:ln>
+        </p:spPr>
+        <p:style>
+          <a:lnRef idx="1">
+            <a:schemeClr val="accent1"/>
+          </a:lnRef>
+          <a:fillRef idx="0">
+            <a:schemeClr val="accent1"/>
+          </a:fillRef>
+          <a:effectRef idx="0">
+            <a:schemeClr val="accent1"/>
+          </a:effectRef>
+          <a:fontRef idx="minor">
+            <a:schemeClr val="tx1"/>
+          </a:fontRef>
+        </p:style>
+      </p:cxnSp>
+      <p:cxnSp>
+        <p:nvCxnSpPr>
+          <p:cNvPr id="17" name="Curved Connector 16"/>
+          <p:cNvCxnSpPr/>
+          <p:nvPr/>
+        </p:nvCxnSpPr>
+        <p:spPr>
+          <a:xfrm flipV="1">
+            <a:off x="446314" y="4051955"/>
+            <a:ext cx="3048000" cy="935062"/>
+          </a:xfrm>
+          <a:prstGeom prst="curvedConnector3">
+            <a:avLst/>
+          </a:prstGeom>
+          <a:ln w="38100">
+            <a:tailEnd type="triangle"/>
+          </a:ln>
+        </p:spPr>
+        <p:style>
+          <a:lnRef idx="1">
+            <a:schemeClr val="accent1"/>
+          </a:lnRef>
+          <a:fillRef idx="0">
+            <a:schemeClr val="accent1"/>
+          </a:fillRef>
+          <a:effectRef idx="0">
+            <a:schemeClr val="accent1"/>
+          </a:effectRef>
+          <a:fontRef idx="minor">
+            <a:schemeClr val="tx1"/>
+          </a:fontRef>
+        </p:style>
+      </p:cxnSp>
+      <p:pic>
+        <p:nvPicPr>
+          <p:cNvPr id="5" name="Picture 4" descr="SPC Data"/>
+          <p:cNvPicPr>
+            <a:picLocks noChangeAspect="1"/>
+          </p:cNvPicPr>
+          <p:nvPr/>
+        </p:nvPicPr>
+        <p:blipFill>
+          <a:blip r:embed="rId2">
+            <a:extLst>
+              <a:ext uri="{28A0092B-C50C-407E-A947-70E740481C1C}">
+                <a14:useLocalDpi xmlns:a14="http://schemas.microsoft.com/office/drawing/2010/main" val="0"/>
+              </a:ext>
+            </a:extLst>
+          </a:blip>
+          <a:stretch>
+            <a:fillRect/>
+          </a:stretch>
+        </p:blipFill>
+        <p:spPr>
+          <a:xfrm>
+            <a:off x="857262" y="4571311"/>
+            <a:ext cx="588316" cy="643225"/>
+          </a:xfrm>
+          <a:prstGeom prst="rect">
+            <a:avLst/>
+          </a:prstGeom>
+        </p:spPr>
+      </p:pic>
+      <p:grpSp>
+        <p:nvGrpSpPr>
+          <p:cNvPr id="14" name="Group 13"/>
+          <p:cNvGrpSpPr/>
+          <p:nvPr/>
+        </p:nvGrpSpPr>
+        <p:grpSpPr>
+          <a:xfrm>
+            <a:off x="833410" y="2424173"/>
+            <a:ext cx="851369" cy="735895"/>
+            <a:chOff x="1024128" y="2374074"/>
+            <a:chExt cx="1135158" cy="981193"/>
+          </a:xfrm>
+        </p:grpSpPr>
+        <p:pic>
+          <p:nvPicPr>
+            <p:cNvPr id="11" name="Content Placeholder 3" descr="API - Computer Science Wiki"/>
+            <p:cNvPicPr>
+              <a:picLocks noChangeAspect="1"/>
+            </p:cNvPicPr>
+            <p:nvPr/>
+          </p:nvPicPr>
+          <p:blipFill>
+            <a:blip r:embed="rId3">
+              <a:extLst>
+                <a:ext uri="{28A0092B-C50C-407E-A947-70E740481C1C}">
+                  <a14:useLocalDpi xmlns:a14="http://schemas.microsoft.com/office/drawing/2010/main" val="0"/>
+                </a:ext>
+              </a:extLst>
+            </a:blip>
+            <a:stretch>
+              <a:fillRect/>
+            </a:stretch>
+          </p:blipFill>
+          <p:spPr>
+            <a:xfrm>
+              <a:off x="1275958" y="2667317"/>
+              <a:ext cx="883328" cy="687950"/>
+            </a:xfrm>
+            <a:prstGeom prst="rect">
+              <a:avLst/>
+            </a:prstGeom>
+          </p:spPr>
+        </p:pic>
+        <p:pic>
+          <p:nvPicPr>
+            <p:cNvPr id="13" name="Picture 12" descr="Pengertian Fungsi Penerapan Json Pada PHP | Blog World Web ..."/>
+            <p:cNvPicPr>
+              <a:picLocks noChangeAspect="1"/>
+            </p:cNvPicPr>
+            <p:nvPr/>
+          </p:nvPicPr>
+          <p:blipFill>
+            <a:blip r:embed="rId4">
+              <a:extLst>
+                <a:ext uri="{28A0092B-C50C-407E-A947-70E740481C1C}">
+                  <a14:useLocalDpi xmlns:a14="http://schemas.microsoft.com/office/drawing/2010/main" val="0"/>
+                </a:ext>
+              </a:extLst>
+            </a:blip>
+            <a:stretch>
+              <a:fillRect/>
+            </a:stretch>
+          </p:blipFill>
+          <p:spPr>
+            <a:xfrm>
+              <a:off x="1024128" y="2374074"/>
+              <a:ext cx="424014" cy="489496"/>
+            </a:xfrm>
+            <a:prstGeom prst="rect">
+              <a:avLst/>
+            </a:prstGeom>
+          </p:spPr>
+        </p:pic>
+      </p:grpSp>
+      <p:sp>
+        <p:nvSpPr>
+          <p:cNvPr id="24" name="Rectangle 23"/>
+          <p:cNvSpPr/>
+          <p:nvPr/>
+        </p:nvSpPr>
+        <p:spPr>
+          <a:xfrm>
+            <a:off x="1259334" y="2312464"/>
+            <a:ext cx="1096950" cy="402520"/>
+          </a:xfrm>
+          <a:prstGeom prst="rect">
+            <a:avLst/>
+          </a:prstGeom>
+        </p:spPr>
+        <p:style>
+          <a:lnRef idx="2">
+            <a:schemeClr val="accent2"/>
+          </a:lnRef>
+          <a:fillRef idx="1">
+            <a:schemeClr val="lt1"/>
+          </a:fillRef>
+          <a:effectRef idx="0">
+            <a:schemeClr val="accent2"/>
+          </a:effectRef>
+          <a:fontRef idx="minor">
+            <a:schemeClr val="dk1"/>
+          </a:fontRef>
+        </p:style>
+        <p:txBody>
+          <a:bodyPr rtlCol="0" anchor="ctr"/>
+          <a:lstStyle/>
+          <a:p>
+            <a:pPr algn="ctr"/>
+            <a:r>
+              <a:rPr lang="en-CA" sz="1350" dirty="0"/>
+              <a:t>Government of Alberta</a:t>
+            </a:r>
+          </a:p>
+        </p:txBody>
+      </p:sp>
+      <p:sp>
+        <p:nvSpPr>
+          <p:cNvPr id="26" name="Rectangle 25"/>
+          <p:cNvSpPr/>
+          <p:nvPr/>
+        </p:nvSpPr>
+        <p:spPr>
+          <a:xfrm>
+            <a:off x="1267291" y="5139643"/>
+            <a:ext cx="1248155" cy="288336"/>
+          </a:xfrm>
+          <a:prstGeom prst="rect">
+            <a:avLst/>
+          </a:prstGeom>
+        </p:spPr>
+        <p:style>
+          <a:lnRef idx="2">
+            <a:schemeClr val="accent2"/>
+          </a:lnRef>
+          <a:fillRef idx="1">
+            <a:schemeClr val="lt1"/>
+          </a:fillRef>
+          <a:effectRef idx="0">
+            <a:schemeClr val="accent2"/>
+          </a:effectRef>
+          <a:fontRef idx="minor">
+            <a:schemeClr val="dk1"/>
+          </a:fontRef>
+        </p:style>
+        <p:txBody>
+          <a:bodyPr rtlCol="0" anchor="ctr"/>
+          <a:lstStyle/>
+          <a:p>
+            <a:pPr algn="ctr"/>
+            <a:r>
+              <a:rPr lang="en-CA" sz="1350" dirty="0"/>
+              <a:t>Stats Canada</a:t>
+            </a:r>
+          </a:p>
+        </p:txBody>
+      </p:sp>
+      <p:sp>
+        <p:nvSpPr>
+          <p:cNvPr id="27" name="Rectangle 26"/>
+          <p:cNvSpPr/>
+          <p:nvPr/>
+        </p:nvSpPr>
+        <p:spPr>
+          <a:xfrm>
+            <a:off x="3222070" y="4339070"/>
+            <a:ext cx="1915886" cy="761142"/>
+          </a:xfrm>
+          <a:prstGeom prst="rect">
+            <a:avLst/>
+          </a:prstGeom>
+        </p:spPr>
+        <p:style>
+          <a:lnRef idx="2">
+            <a:schemeClr val="accent2"/>
+          </a:lnRef>
+          <a:fillRef idx="1">
+            <a:schemeClr val="lt1"/>
+          </a:fillRef>
+          <a:effectRef idx="0">
+            <a:schemeClr val="accent2"/>
+          </a:effectRef>
+          <a:fontRef idx="minor">
+            <a:schemeClr val="dk1"/>
+          </a:fontRef>
+        </p:style>
+        <p:txBody>
+          <a:bodyPr rtlCol="0" anchor="ctr"/>
+          <a:lstStyle/>
+          <a:p>
+            <a:pPr algn="ctr"/>
+            <a:r>
+              <a:rPr lang="en-CA" sz="1350" dirty="0"/>
+              <a:t>Pandas data munging</a:t>
+            </a:r>
+          </a:p>
+        </p:txBody>
+      </p:sp>
+      <p:pic>
+        <p:nvPicPr>
+          <p:cNvPr id="28" name="Picture 27" descr="File:Matplotlib logo.svg - Wikipedia"/>
+          <p:cNvPicPr>
+            <a:picLocks noChangeAspect="1"/>
+          </p:cNvPicPr>
+          <p:nvPr/>
+        </p:nvPicPr>
+        <p:blipFill>
+          <a:blip r:embed="rId5">
+            <a:extLst>
+              <a:ext uri="{28A0092B-C50C-407E-A947-70E740481C1C}">
+                <a14:useLocalDpi xmlns:a14="http://schemas.microsoft.com/office/drawing/2010/main" val="0"/>
+              </a:ext>
+            </a:extLst>
+          </a:blip>
+          <a:stretch>
+            <a:fillRect/>
+          </a:stretch>
+        </p:blipFill>
+        <p:spPr>
+          <a:xfrm>
+            <a:off x="6961635" y="3797351"/>
+            <a:ext cx="1540107" cy="282754"/>
+          </a:xfrm>
+          <a:prstGeom prst="rect">
+            <a:avLst/>
+          </a:prstGeom>
+        </p:spPr>
+      </p:pic>
+      <p:cxnSp>
+        <p:nvCxnSpPr>
+          <p:cNvPr id="29" name="Straight Arrow Connector 28"/>
+          <p:cNvCxnSpPr/>
+          <p:nvPr/>
+        </p:nvCxnSpPr>
+        <p:spPr>
+          <a:xfrm>
+            <a:off x="4865712" y="3837760"/>
+            <a:ext cx="990802" cy="9514"/>
+          </a:xfrm>
+          <a:prstGeom prst="straightConnector1">
+            <a:avLst/>
+          </a:prstGeom>
+          <a:ln w="38100">
+            <a:tailEnd type="triangle"/>
+          </a:ln>
+        </p:spPr>
+        <p:style>
+          <a:lnRef idx="1">
+            <a:schemeClr val="accent1"/>
+          </a:lnRef>
+          <a:fillRef idx="0">
+            <a:schemeClr val="accent1"/>
+          </a:fillRef>
+          <a:effectRef idx="0">
+            <a:schemeClr val="accent1"/>
+          </a:effectRef>
+          <a:fontRef idx="minor">
+            <a:schemeClr val="tx1"/>
+          </a:fontRef>
+        </p:style>
+      </p:cxnSp>
+      <p:sp>
+        <p:nvSpPr>
+          <p:cNvPr id="32" name="Rectangle 31"/>
+          <p:cNvSpPr/>
+          <p:nvPr/>
+        </p:nvSpPr>
+        <p:spPr>
+          <a:xfrm>
+            <a:off x="6503635" y="4339070"/>
+            <a:ext cx="1915886" cy="761142"/>
+          </a:xfrm>
+          <a:prstGeom prst="rect">
+            <a:avLst/>
+          </a:prstGeom>
+        </p:spPr>
+        <p:style>
+          <a:lnRef idx="2">
+            <a:schemeClr val="accent2"/>
+          </a:lnRef>
+          <a:fillRef idx="1">
+            <a:schemeClr val="lt1"/>
+          </a:fillRef>
+          <a:effectRef idx="0">
+            <a:schemeClr val="accent2"/>
+          </a:effectRef>
+          <a:fontRef idx="minor">
+            <a:schemeClr val="dk1"/>
+          </a:fontRef>
+        </p:style>
+        <p:txBody>
+          <a:bodyPr rtlCol="0" anchor="ctr"/>
+          <a:lstStyle/>
+          <a:p>
+            <a:pPr algn="ctr"/>
+            <a:r>
+              <a:rPr lang="en-CA" sz="1350" dirty="0"/>
+              <a:t>Plotting in using matplotlib</a:t>
+            </a:r>
+          </a:p>
+        </p:txBody>
+      </p:sp>
+      <p:sp>
+        <p:nvSpPr>
+          <p:cNvPr id="33" name="Rectangle 32"/>
+          <p:cNvSpPr/>
+          <p:nvPr/>
+        </p:nvSpPr>
+        <p:spPr>
+          <a:xfrm>
+            <a:off x="2299047" y="2513723"/>
+            <a:ext cx="1935496" cy="402520"/>
+          </a:xfrm>
+          <a:prstGeom prst="rect">
+            <a:avLst/>
+          </a:prstGeom>
+        </p:spPr>
+        <p:style>
+          <a:lnRef idx="2">
+            <a:schemeClr val="accent2"/>
+          </a:lnRef>
+          <a:fillRef idx="1">
+            <a:schemeClr val="lt1"/>
+          </a:fillRef>
+          <a:effectRef idx="0">
+            <a:schemeClr val="accent2"/>
+          </a:effectRef>
+          <a:fontRef idx="minor">
+            <a:schemeClr val="dk1"/>
+          </a:fontRef>
+        </p:style>
+        <p:txBody>
+          <a:bodyPr rtlCol="0" anchor="ctr"/>
+          <a:lstStyle/>
+          <a:p>
+            <a:pPr algn="ctr"/>
+            <a:r>
+              <a:rPr lang="en-CA" sz="1350" dirty="0"/>
+              <a:t>Trading Economics</a:t>
+            </a:r>
+          </a:p>
+        </p:txBody>
+      </p:sp>
+      <p:pic>
+        <p:nvPicPr>
+          <p:cNvPr id="9" name="Picture 8" descr="File:Flag of Canada.png">
+            <a:extLst>
+              <a:ext uri="{FF2B5EF4-FFF2-40B4-BE49-F238E27FC236}">
+                <a16:creationId xmlns:a16="http://schemas.microsoft.com/office/drawing/2014/main" id="{7472D9C6-E017-A44F-8CBA-05C5F6396448}"/>
+              </a:ext>
+            </a:extLst>
+          </p:cNvPr>
+          <p:cNvPicPr>
+            <a:picLocks noChangeAspect="1"/>
+          </p:cNvPicPr>
+          <p:nvPr/>
+        </p:nvPicPr>
+        <p:blipFill>
+          <a:blip r:embed="rId6">
+            <a:extLst>
+              <a:ext uri="{28A0092B-C50C-407E-A947-70E740481C1C}">
+                <a14:useLocalDpi xmlns:a14="http://schemas.microsoft.com/office/drawing/2010/main" val="0"/>
+              </a:ext>
+              <a:ext uri="{837473B0-CC2E-450A-ABE3-18F120FF3D39}">
+                <a1611:picAttrSrcUrl xmlns:a1611="http://schemas.microsoft.com/office/drawing/2016/11/main" r:id="rId7"/>
+              </a:ext>
+            </a:extLst>
+          </a:blip>
+          <a:stretch>
+            <a:fillRect/>
+          </a:stretch>
+        </p:blipFill>
+        <p:spPr>
+          <a:xfrm>
+            <a:off x="1685090" y="5718632"/>
+            <a:ext cx="576670" cy="288335"/>
+          </a:xfrm>
+          <a:prstGeom prst="rect">
+            <a:avLst/>
+          </a:prstGeom>
+        </p:spPr>
+      </p:pic>
+      <p:pic>
+        <p:nvPicPr>
+          <p:cNvPr id="18" name="Picture 17" descr="Python - Wikipedia, la enciclopedia libre">
+            <a:extLst>
+              <a:ext uri="{FF2B5EF4-FFF2-40B4-BE49-F238E27FC236}">
+                <a16:creationId xmlns:a16="http://schemas.microsoft.com/office/drawing/2014/main" id="{2578BCE4-3EAB-A349-AC71-2CC7210704A3}"/>
+              </a:ext>
+            </a:extLst>
+          </p:cNvPr>
+          <p:cNvPicPr>
+            <a:picLocks noChangeAspect="1"/>
+          </p:cNvPicPr>
+          <p:nvPr/>
+        </p:nvPicPr>
+        <p:blipFill>
+          <a:blip r:embed="rId8">
+            <a:extLst>
+              <a:ext uri="{28A0092B-C50C-407E-A947-70E740481C1C}">
+                <a14:useLocalDpi xmlns:a14="http://schemas.microsoft.com/office/drawing/2010/main" val="0"/>
+              </a:ext>
+              <a:ext uri="{837473B0-CC2E-450A-ABE3-18F120FF3D39}">
+                <a1611:picAttrSrcUrl xmlns:a1611="http://schemas.microsoft.com/office/drawing/2016/11/main" r:id="rId9"/>
+              </a:ext>
+            </a:extLst>
+          </a:blip>
+          <a:stretch>
+            <a:fillRect/>
+          </a:stretch>
+        </p:blipFill>
+        <p:spPr>
+          <a:xfrm>
+            <a:off x="6373485" y="3549344"/>
+            <a:ext cx="643225" cy="643225"/>
+          </a:xfrm>
+          <a:prstGeom prst="rect">
+            <a:avLst/>
+          </a:prstGeom>
+        </p:spPr>
+      </p:pic>
+      <p:pic>
+        <p:nvPicPr>
+          <p:cNvPr id="30" name="Picture 29" descr="Python - Wikipedia, la enciclopedia libre">
+            <a:extLst>
+              <a:ext uri="{FF2B5EF4-FFF2-40B4-BE49-F238E27FC236}">
+                <a16:creationId xmlns:a16="http://schemas.microsoft.com/office/drawing/2014/main" id="{AF17B542-F708-6942-9205-7904F40C305E}"/>
+              </a:ext>
+            </a:extLst>
+          </p:cNvPr>
+          <p:cNvPicPr>
+            <a:picLocks noChangeAspect="1"/>
+          </p:cNvPicPr>
+          <p:nvPr/>
+        </p:nvPicPr>
+        <p:blipFill>
+          <a:blip r:embed="rId8">
+            <a:extLst>
+              <a:ext uri="{28A0092B-C50C-407E-A947-70E740481C1C}">
+                <a14:useLocalDpi xmlns:a14="http://schemas.microsoft.com/office/drawing/2010/main" val="0"/>
+              </a:ext>
+              <a:ext uri="{837473B0-CC2E-450A-ABE3-18F120FF3D39}">
+                <a1611:picAttrSrcUrl xmlns:a1611="http://schemas.microsoft.com/office/drawing/2016/11/main" r:id="rId9"/>
+              </a:ext>
+            </a:extLst>
+          </a:blip>
+          <a:stretch>
+            <a:fillRect/>
+          </a:stretch>
+        </p:blipFill>
+        <p:spPr>
+          <a:xfrm>
+            <a:off x="3666294" y="3549344"/>
+            <a:ext cx="643225" cy="643225"/>
+          </a:xfrm>
+          <a:prstGeom prst="rect">
+            <a:avLst/>
+          </a:prstGeom>
+        </p:spPr>
+      </p:pic>
+      <p:pic>
+        <p:nvPicPr>
+          <p:cNvPr id="21" name="Picture 20" descr="Wang Wang and Funi - Wikipedia">
+            <a:extLst>
+              <a:ext uri="{FF2B5EF4-FFF2-40B4-BE49-F238E27FC236}">
+                <a16:creationId xmlns:a16="http://schemas.microsoft.com/office/drawing/2014/main" id="{D8AED826-AF41-1A4F-A713-4243F702492A}"/>
+              </a:ext>
+            </a:extLst>
+          </p:cNvPr>
+          <p:cNvPicPr>
+            <a:picLocks noChangeAspect="1"/>
+          </p:cNvPicPr>
+          <p:nvPr/>
+        </p:nvPicPr>
+        <p:blipFill>
+          <a:blip r:embed="rId10">
+            <a:extLst>
+              <a:ext uri="{28A0092B-C50C-407E-A947-70E740481C1C}">
+                <a14:useLocalDpi xmlns:a14="http://schemas.microsoft.com/office/drawing/2010/main" val="0"/>
+              </a:ext>
+              <a:ext uri="{837473B0-CC2E-450A-ABE3-18F120FF3D39}">
+                <a1611:picAttrSrcUrl xmlns:a1611="http://schemas.microsoft.com/office/drawing/2016/11/main" r:id="rId11"/>
+              </a:ext>
+            </a:extLst>
+          </a:blip>
+          <a:stretch>
+            <a:fillRect/>
+          </a:stretch>
+        </p:blipFill>
+        <p:spPr>
+          <a:xfrm>
+            <a:off x="4378412" y="3576056"/>
+            <a:ext cx="418406" cy="557875"/>
+          </a:xfrm>
+          <a:prstGeom prst="rect">
+            <a:avLst/>
+          </a:prstGeom>
+        </p:spPr>
+      </p:pic>
+      <p:sp>
+        <p:nvSpPr>
+          <p:cNvPr id="31" name="Rectangle 30">
+            <a:extLst>
+              <a:ext uri="{FF2B5EF4-FFF2-40B4-BE49-F238E27FC236}">
+                <a16:creationId xmlns:a16="http://schemas.microsoft.com/office/drawing/2014/main" id="{79D489CB-0654-4143-BC76-FDDB3DCF25BB}"/>
+              </a:ext>
+            </a:extLst>
+          </p:cNvPr>
+          <p:cNvSpPr/>
+          <p:nvPr/>
+        </p:nvSpPr>
+        <p:spPr>
+          <a:xfrm>
+            <a:off x="2397364" y="5372046"/>
+            <a:ext cx="1096950" cy="402520"/>
+          </a:xfrm>
+          <a:prstGeom prst="rect">
+            <a:avLst/>
+          </a:prstGeom>
+        </p:spPr>
+        <p:style>
+          <a:lnRef idx="2">
+            <a:schemeClr val="accent2"/>
+          </a:lnRef>
+          <a:fillRef idx="1">
+            <a:schemeClr val="lt1"/>
+          </a:fillRef>
+          <a:effectRef idx="0">
+            <a:schemeClr val="accent2"/>
+          </a:effectRef>
+          <a:fontRef idx="minor">
+            <a:schemeClr val="dk1"/>
+          </a:fontRef>
+        </p:style>
+        <p:txBody>
+          <a:bodyPr rtlCol="0" anchor="ctr"/>
+          <a:lstStyle/>
+          <a:p>
+            <a:pPr algn="ctr"/>
+            <a:r>
+              <a:rPr lang="en-CA" sz="1350" dirty="0"/>
+              <a:t>Government of Alberta</a:t>
+            </a:r>
           </a:p>
         </p:txBody>
       </p:sp>
     </p:spTree>
     <p:extLst>
       <p:ext uri="{BB962C8B-B14F-4D97-AF65-F5344CB8AC3E}">
-        <p14:creationId xmlns:p14="http://schemas.microsoft.com/office/powerpoint/2010/main" val="3491109647"/>
+        <p14:creationId xmlns:p14="http://schemas.microsoft.com/office/powerpoint/2010/main" val="2484257286"/>
       </p:ext>
     </p:extLst>
   </p:cSld>
@@ -3867,6 +4969,396 @@
       </p:grpSpPr>
       <p:sp>
         <p:nvSpPr>
+          <p:cNvPr id="4" name="Title 1">
+            <a:extLst>
+              <a:ext uri="{FF2B5EF4-FFF2-40B4-BE49-F238E27FC236}">
+                <a16:creationId xmlns:a16="http://schemas.microsoft.com/office/drawing/2014/main" id="{CF82BE3C-49C8-0441-ADBE-A8E225A84852}"/>
+              </a:ext>
+            </a:extLst>
+          </p:cNvPr>
+          <p:cNvSpPr>
+            <a:spLocks noGrp="1"/>
+          </p:cNvSpPr>
+          <p:nvPr>
+            <p:ph type="title"/>
+          </p:nvPr>
+        </p:nvSpPr>
+        <p:spPr/>
+        <p:txBody>
+          <a:bodyPr/>
+          <a:lstStyle/>
+          <a:p>
+            <a:r>
+              <a:rPr lang="en-CA" dirty="0"/>
+              <a:t>Findings #1</a:t>
+            </a:r>
+            <a:endParaRPr lang="en-US" dirty="0"/>
+          </a:p>
+        </p:txBody>
+      </p:sp>
+      <p:pic>
+        <p:nvPicPr>
+          <p:cNvPr id="5" name="Picture 4">
+            <a:extLst>
+              <a:ext uri="{FF2B5EF4-FFF2-40B4-BE49-F238E27FC236}">
+                <a16:creationId xmlns:a16="http://schemas.microsoft.com/office/drawing/2014/main" id="{94165F94-897E-0749-8D52-D9A004C0DA32}"/>
+              </a:ext>
+            </a:extLst>
+          </p:cNvPr>
+          <p:cNvPicPr>
+            <a:picLocks noChangeAspect="1"/>
+          </p:cNvPicPr>
+          <p:nvPr/>
+        </p:nvPicPr>
+        <p:blipFill>
+          <a:blip r:embed="rId2"/>
+          <a:stretch>
+            <a:fillRect/>
+          </a:stretch>
+        </p:blipFill>
+        <p:spPr>
+          <a:xfrm>
+            <a:off x="3500584" y="1905000"/>
+            <a:ext cx="5186216" cy="3461799"/>
+          </a:xfrm>
+          <a:prstGeom prst="rect">
+            <a:avLst/>
+          </a:prstGeom>
+        </p:spPr>
+      </p:pic>
+      <p:sp>
+        <p:nvSpPr>
+          <p:cNvPr id="6" name="TextBox 5">
+            <a:extLst>
+              <a:ext uri="{FF2B5EF4-FFF2-40B4-BE49-F238E27FC236}">
+                <a16:creationId xmlns:a16="http://schemas.microsoft.com/office/drawing/2014/main" id="{37687DD8-8A95-7F43-A4BC-FBBE9E13F7A2}"/>
+              </a:ext>
+            </a:extLst>
+          </p:cNvPr>
+          <p:cNvSpPr txBox="1"/>
+          <p:nvPr/>
+        </p:nvSpPr>
+        <p:spPr>
+          <a:xfrm>
+            <a:off x="474372" y="2215333"/>
+            <a:ext cx="2878428" cy="2966267"/>
+          </a:xfrm>
+          <a:prstGeom prst="rect">
+            <a:avLst/>
+          </a:prstGeom>
+        </p:spPr>
+        <p:txBody>
+          <a:bodyPr vert="horz" lIns="91440" tIns="45720" rIns="91440" bIns="45720" rtlCol="0">
+            <a:noAutofit/>
+          </a:bodyPr>
+          <a:lstStyle/>
+          <a:p>
+            <a:pPr marL="57150">
+              <a:lnSpc>
+                <a:spcPct val="90000"/>
+              </a:lnSpc>
+              <a:spcAft>
+                <a:spcPts val="600"/>
+              </a:spcAft>
+            </a:pPr>
+            <a:r>
+              <a:rPr lang="en-US" dirty="0"/>
+              <a:t>Is there a correlation between household income and migration?</a:t>
+            </a:r>
+          </a:p>
+          <a:p>
+            <a:pPr marL="57150">
+              <a:lnSpc>
+                <a:spcPct val="90000"/>
+              </a:lnSpc>
+              <a:spcAft>
+                <a:spcPts val="600"/>
+              </a:spcAft>
+            </a:pPr>
+            <a:endParaRPr lang="en-US" dirty="0"/>
+          </a:p>
+          <a:p>
+            <a:pPr marL="285750" indent="-228600">
+              <a:lnSpc>
+                <a:spcPct val="90000"/>
+              </a:lnSpc>
+              <a:spcAft>
+                <a:spcPts val="600"/>
+              </a:spcAft>
+              <a:buFont typeface="Arial" panose="020B0604020202020204" pitchFamily="34" charset="0"/>
+              <a:buChar char="•"/>
+            </a:pPr>
+            <a:r>
+              <a:rPr lang="en-US" dirty="0"/>
+              <a:t>According to the data, one could conclude that there is correlation between increase in median income and increase in migration </a:t>
+            </a:r>
+          </a:p>
+          <a:p>
+            <a:pPr>
+              <a:lnSpc>
+                <a:spcPct val="90000"/>
+              </a:lnSpc>
+              <a:spcAft>
+                <a:spcPts val="600"/>
+              </a:spcAft>
+            </a:pPr>
+            <a:endParaRPr lang="en-US" dirty="0"/>
+          </a:p>
+          <a:p>
+            <a:pPr marL="285750" indent="-228600">
+              <a:lnSpc>
+                <a:spcPct val="90000"/>
+              </a:lnSpc>
+              <a:spcAft>
+                <a:spcPts val="600"/>
+              </a:spcAft>
+              <a:buFont typeface="Arial" panose="020B0604020202020204" pitchFamily="34" charset="0"/>
+              <a:buChar char="•"/>
+            </a:pPr>
+            <a:endParaRPr lang="en-US" i="1" dirty="0"/>
+          </a:p>
+        </p:txBody>
+      </p:sp>
+    </p:spTree>
+    <p:extLst>
+      <p:ext uri="{BB962C8B-B14F-4D97-AF65-F5344CB8AC3E}">
+        <p14:creationId xmlns:p14="http://schemas.microsoft.com/office/powerpoint/2010/main" val="1167069789"/>
+      </p:ext>
+    </p:extLst>
+  </p:cSld>
+  <p:clrMapOvr>
+    <a:masterClrMapping/>
+  </p:clrMapOvr>
+</p:sld>
+</file>
+
+<file path=ppt/slides/slide6.xml><?xml version="1.0" encoding="utf-8"?>
+<p:sld xmlns:a="http://schemas.openxmlformats.org/drawingml/2006/main" xmlns:r="http://schemas.openxmlformats.org/officeDocument/2006/relationships" xmlns:p="http://schemas.openxmlformats.org/presentationml/2006/main">
+  <p:cSld>
+    <p:spTree>
+      <p:nvGrpSpPr>
+        <p:cNvPr id="1" name=""/>
+        <p:cNvGrpSpPr/>
+        <p:nvPr/>
+      </p:nvGrpSpPr>
+      <p:grpSpPr>
+        <a:xfrm>
+          <a:off x="0" y="0"/>
+          <a:ext cx="0" cy="0"/>
+          <a:chOff x="0" y="0"/>
+          <a:chExt cx="0" cy="0"/>
+        </a:xfrm>
+      </p:grpSpPr>
+      <p:pic>
+        <p:nvPicPr>
+          <p:cNvPr id="6" name="Content Placeholder 5" descr="A close up of a map&#13;&#10;&#13;&#10;Description automatically generated">
+            <a:extLst>
+              <a:ext uri="{FF2B5EF4-FFF2-40B4-BE49-F238E27FC236}">
+                <a16:creationId xmlns:a16="http://schemas.microsoft.com/office/drawing/2014/main" id="{ED11E29E-3AC7-D947-91C1-C602E5AF61C5}"/>
+              </a:ext>
+            </a:extLst>
+          </p:cNvPr>
+          <p:cNvPicPr>
+            <a:picLocks noGrp="1" noChangeAspect="1"/>
+          </p:cNvPicPr>
+          <p:nvPr>
+            <p:ph idx="1"/>
+          </p:nvPr>
+        </p:nvPicPr>
+        <p:blipFill>
+          <a:blip r:embed="rId2">
+            <a:extLst>
+              <a:ext uri="{28A0092B-C50C-407E-A947-70E740481C1C}">
+                <a14:useLocalDpi xmlns:a14="http://schemas.microsoft.com/office/drawing/2010/main" val="0"/>
+              </a:ext>
+            </a:extLst>
+          </a:blip>
+          <a:stretch>
+            <a:fillRect/>
+          </a:stretch>
+        </p:blipFill>
+        <p:spPr>
+          <a:xfrm>
+            <a:off x="4389449" y="2209800"/>
+            <a:ext cx="4297351" cy="3071114"/>
+          </a:xfrm>
+        </p:spPr>
+      </p:pic>
+      <p:sp>
+        <p:nvSpPr>
+          <p:cNvPr id="4" name="Title 1">
+            <a:extLst>
+              <a:ext uri="{FF2B5EF4-FFF2-40B4-BE49-F238E27FC236}">
+                <a16:creationId xmlns:a16="http://schemas.microsoft.com/office/drawing/2014/main" id="{7CD65B87-1122-F64F-ADAD-B97643B1B676}"/>
+              </a:ext>
+            </a:extLst>
+          </p:cNvPr>
+          <p:cNvSpPr>
+            <a:spLocks noGrp="1"/>
+          </p:cNvSpPr>
+          <p:nvPr>
+            <p:ph type="title"/>
+          </p:nvPr>
+        </p:nvSpPr>
+        <p:spPr/>
+        <p:txBody>
+          <a:bodyPr/>
+          <a:lstStyle/>
+          <a:p>
+            <a:r>
+              <a:rPr lang="en-CA" dirty="0"/>
+              <a:t>Findings #2</a:t>
+            </a:r>
+            <a:endParaRPr lang="en-US" dirty="0"/>
+          </a:p>
+        </p:txBody>
+      </p:sp>
+      <p:sp>
+        <p:nvSpPr>
+          <p:cNvPr id="7" name="TextBox 6">
+            <a:extLst>
+              <a:ext uri="{FF2B5EF4-FFF2-40B4-BE49-F238E27FC236}">
+                <a16:creationId xmlns:a16="http://schemas.microsoft.com/office/drawing/2014/main" id="{AA8D2765-4AA3-D640-A69F-67C5C61810E9}"/>
+              </a:ext>
+            </a:extLst>
+          </p:cNvPr>
+          <p:cNvSpPr txBox="1"/>
+          <p:nvPr/>
+        </p:nvSpPr>
+        <p:spPr>
+          <a:xfrm>
+            <a:off x="472858" y="1295400"/>
+            <a:ext cx="2878428" cy="2966267"/>
+          </a:xfrm>
+          <a:prstGeom prst="rect">
+            <a:avLst/>
+          </a:prstGeom>
+        </p:spPr>
+        <p:txBody>
+          <a:bodyPr vert="horz" lIns="91440" tIns="45720" rIns="91440" bIns="45720" rtlCol="0">
+            <a:noAutofit/>
+          </a:bodyPr>
+          <a:lstStyle/>
+          <a:p>
+            <a:pPr marL="57150">
+              <a:lnSpc>
+                <a:spcPct val="90000"/>
+              </a:lnSpc>
+              <a:spcAft>
+                <a:spcPts val="600"/>
+              </a:spcAft>
+            </a:pPr>
+            <a:r>
+              <a:rPr lang="en-US" dirty="0"/>
+              <a:t>Does migration affect inflation (CPI)?</a:t>
+            </a:r>
+          </a:p>
+          <a:p>
+            <a:pPr marL="57150">
+              <a:lnSpc>
+                <a:spcPct val="90000"/>
+              </a:lnSpc>
+              <a:spcAft>
+                <a:spcPts val="600"/>
+              </a:spcAft>
+            </a:pPr>
+            <a:endParaRPr lang="en-US" dirty="0"/>
+          </a:p>
+          <a:p>
+            <a:pPr marL="285750" indent="-285750">
+              <a:lnSpc>
+                <a:spcPct val="90000"/>
+              </a:lnSpc>
+              <a:spcAft>
+                <a:spcPts val="600"/>
+              </a:spcAft>
+              <a:buFont typeface="Arial" panose="020B0604020202020204" pitchFamily="34" charset="0"/>
+              <a:buChar char="•"/>
+            </a:pPr>
+            <a:r>
+              <a:rPr lang="en-US" dirty="0"/>
+              <a:t>There seems to be a general trend that CPI increases more intensely as Net Migration increases</a:t>
+            </a:r>
+          </a:p>
+          <a:p>
+            <a:pPr marL="285750" indent="-285750">
+              <a:lnSpc>
+                <a:spcPct val="90000"/>
+              </a:lnSpc>
+              <a:spcAft>
+                <a:spcPts val="600"/>
+              </a:spcAft>
+              <a:buFont typeface="Arial" panose="020B0604020202020204" pitchFamily="34" charset="0"/>
+              <a:buChar char="•"/>
+            </a:pPr>
+            <a:r>
+              <a:rPr lang="en-US" dirty="0"/>
+              <a:t>However, we do find a number of outlier years that affect the trendline, as seen in the bottom right of the graph</a:t>
+            </a:r>
+          </a:p>
+          <a:p>
+            <a:pPr marL="285750" indent="-285750">
+              <a:lnSpc>
+                <a:spcPct val="90000"/>
+              </a:lnSpc>
+              <a:spcAft>
+                <a:spcPts val="600"/>
+              </a:spcAft>
+              <a:buFont typeface="Arial" panose="020B0604020202020204" pitchFamily="34" charset="0"/>
+              <a:buChar char="•"/>
+            </a:pPr>
+            <a:r>
+              <a:rPr lang="en-US" dirty="0"/>
+              <a:t>CPI almost always increases annually year to year, so it is uncertain how much of an effect migration plays on changing CPI</a:t>
+            </a:r>
+          </a:p>
+          <a:p>
+            <a:pPr marL="285750" indent="-228600">
+              <a:lnSpc>
+                <a:spcPct val="90000"/>
+              </a:lnSpc>
+              <a:spcAft>
+                <a:spcPts val="600"/>
+              </a:spcAft>
+              <a:buFont typeface="Arial" panose="020B0604020202020204" pitchFamily="34" charset="0"/>
+              <a:buChar char="•"/>
+            </a:pPr>
+            <a:endParaRPr lang="en-US" i="1" dirty="0"/>
+          </a:p>
+        </p:txBody>
+      </p:sp>
+    </p:spTree>
+    <p:extLst>
+      <p:ext uri="{BB962C8B-B14F-4D97-AF65-F5344CB8AC3E}">
+        <p14:creationId xmlns:p14="http://schemas.microsoft.com/office/powerpoint/2010/main" val="3071856610"/>
+      </p:ext>
+    </p:extLst>
+  </p:cSld>
+  <p:clrMapOvr>
+    <a:masterClrMapping/>
+  </p:clrMapOvr>
+</p:sld>
+</file>
+
+<file path=ppt/slides/slide7.xml><?xml version="1.0" encoding="utf-8"?>
+<p:sld xmlns:a="http://schemas.openxmlformats.org/drawingml/2006/main" xmlns:r="http://schemas.openxmlformats.org/officeDocument/2006/relationships" xmlns:p="http://schemas.openxmlformats.org/presentationml/2006/main">
+  <p:cSld>
+    <p:spTree>
+      <p:nvGrpSpPr>
+        <p:cNvPr id="1" name=""/>
+        <p:cNvGrpSpPr/>
+        <p:nvPr/>
+      </p:nvGrpSpPr>
+      <p:grpSpPr>
+        <a:xfrm>
+          <a:off x="0" y="0"/>
+          <a:ext cx="0" cy="0"/>
+          <a:chOff x="0" y="0"/>
+          <a:chExt cx="0" cy="0"/>
+        </a:xfrm>
+      </p:grpSpPr>
+      <p:sp>
+        <p:nvSpPr>
           <p:cNvPr id="2" name="Title 1"/>
           <p:cNvSpPr>
             <a:spLocks noGrp="1"/>
@@ -3886,8 +5378,8 @@
           <a:lstStyle/>
           <a:p>
             <a:r>
-              <a:rPr lang="en-CA" dirty="0" smtClean="0"/>
-              <a:t>Findings</a:t>
+              <a:rPr lang="en-CA" dirty="0"/>
+              <a:t>Findings #3</a:t>
             </a:r>
             <a:endParaRPr lang="en-US" dirty="0"/>
           </a:p>
@@ -3918,8 +5410,8 @@
         </p:blipFill>
         <p:spPr bwMode="auto">
           <a:xfrm>
-            <a:off x="1905000" y="1219200"/>
-            <a:ext cx="5600700" cy="3733800"/>
+            <a:off x="4233930" y="2057400"/>
+            <a:ext cx="4756308" cy="3170872"/>
           </a:xfrm>
           <a:prstGeom prst="rect">
             <a:avLst/>
@@ -3957,8 +5449,8 @@
         </p:nvSpPr>
         <p:spPr>
           <a:xfrm>
-            <a:off x="609600" y="4876800"/>
-            <a:ext cx="8001000" cy="923330"/>
+            <a:off x="435735" y="2594756"/>
+            <a:ext cx="3831465" cy="2585323"/>
           </a:xfrm>
           <a:prstGeom prst="rect">
             <a:avLst/>
@@ -3972,20 +5464,31 @@
           <a:lstStyle/>
           <a:p>
             <a:r>
-              <a:rPr lang="en-CA" i="1" dirty="0" smtClean="0"/>
-              <a:t>We </a:t>
-            </a:r>
-            <a:r>
-              <a:rPr lang="en-CA" i="1" dirty="0"/>
-              <a:t>find a good p-value and standard error for Crime Rate vs Migration, but a poor r- value. There is some </a:t>
-            </a:r>
-            <a:r>
-              <a:rPr lang="en-CA" i="1" dirty="0" err="1"/>
-              <a:t>corelation</a:t>
-            </a:r>
-            <a:r>
-              <a:rPr lang="en-CA" i="1" dirty="0"/>
-              <a:t> between the two but the trend can be affected by other economic and societal factors as well.</a:t>
+              <a:rPr lang="en-CA" dirty="0"/>
+              <a:t>Does migration affect the crime rate?</a:t>
+            </a:r>
+          </a:p>
+          <a:p>
+            <a:endParaRPr lang="en-CA" i="1" dirty="0"/>
+          </a:p>
+          <a:p>
+            <a:pPr marL="285750" indent="-285750">
+              <a:buFont typeface="Arial" panose="020B0604020202020204" pitchFamily="34" charset="0"/>
+              <a:buChar char="•"/>
+            </a:pPr>
+            <a:r>
+              <a:rPr lang="en-CA" dirty="0"/>
+              <a:t>We find a good p-value and standard error for Crime Rate vs Migration, but a poor r- value</a:t>
+            </a:r>
+          </a:p>
+          <a:p>
+            <a:pPr marL="285750" indent="-285750">
+              <a:buFont typeface="Arial" panose="020B0604020202020204" pitchFamily="34" charset="0"/>
+              <a:buChar char="•"/>
+            </a:pPr>
+            <a:r>
+              <a:rPr lang="en-CA" dirty="0"/>
+              <a:t>There is some correlation between the two but the trend can be affected by other economic and societal factors as well</a:t>
             </a:r>
             <a:endParaRPr lang="en-US" dirty="0"/>
           </a:p>
@@ -4001,17 +5504,10 @@
   <p:clrMapOvr>
     <a:masterClrMapping/>
   </p:clrMapOvr>
-  <p:timing>
-    <p:tnLst>
-      <p:par>
-        <p:cTn id="1" dur="indefinite" restart="never" nodeType="tmRoot"/>
-      </p:par>
-    </p:tnLst>
-  </p:timing>
 </p:sld>
 </file>
 
-<file path=ppt/slides/slide6.xml><?xml version="1.0" encoding="utf-8"?>
+<file path=ppt/slides/slide8.xml><?xml version="1.0" encoding="utf-8"?>
 <p:sld xmlns:a="http://schemas.openxmlformats.org/drawingml/2006/main" xmlns:r="http://schemas.openxmlformats.org/officeDocument/2006/relationships" xmlns:p="http://schemas.openxmlformats.org/presentationml/2006/main">
   <p:cSld>
     <p:spTree>
@@ -4049,8 +5545,8 @@
           <a:lstStyle/>
           <a:p>
             <a:r>
-              <a:rPr lang="en-CA" dirty="0" smtClean="0"/>
-              <a:t>Findings</a:t>
+              <a:rPr lang="en-CA" dirty="0"/>
+              <a:t>Findings #4</a:t>
             </a:r>
             <a:endParaRPr lang="en-US" dirty="0"/>
           </a:p>
@@ -4081,8 +5577,8 @@
         </p:blipFill>
         <p:spPr bwMode="auto">
           <a:xfrm>
-            <a:off x="1447800" y="914400"/>
-            <a:ext cx="6400800" cy="4267200"/>
+            <a:off x="3771900" y="1981200"/>
+            <a:ext cx="5257800" cy="3505200"/>
           </a:xfrm>
           <a:prstGeom prst="rect">
             <a:avLst/>
@@ -4120,8 +5616,8 @@
         </p:nvSpPr>
         <p:spPr>
           <a:xfrm>
-            <a:off x="762000" y="5410200"/>
-            <a:ext cx="8001000" cy="923330"/>
+            <a:off x="301044" y="2302639"/>
+            <a:ext cx="3470856" cy="3693319"/>
           </a:xfrm>
           <a:prstGeom prst="rect">
             <a:avLst/>
@@ -4135,64 +5631,61 @@
           <a:lstStyle/>
           <a:p>
             <a:r>
-              <a:rPr lang="en-CA" i="1" dirty="0" smtClean="0"/>
-              <a:t>GDP </a:t>
-            </a:r>
-            <a:r>
-              <a:rPr lang="en-CA" i="1" dirty="0"/>
-              <a:t>and </a:t>
-            </a:r>
-            <a:r>
-              <a:rPr lang="en-CA" i="1" dirty="0" err="1"/>
-              <a:t>MIgration</a:t>
-            </a:r>
-            <a:r>
-              <a:rPr lang="en-CA" i="1" dirty="0"/>
-              <a:t> does not show any </a:t>
-            </a:r>
-            <a:r>
-              <a:rPr lang="en-CA" i="1" dirty="0" err="1"/>
-              <a:t>corealation</a:t>
-            </a:r>
-            <a:r>
-              <a:rPr lang="en-CA" i="1" dirty="0"/>
-              <a:t>. There can be many factors for the trend such as:</a:t>
-            </a:r>
-            <a:r>
               <a:rPr lang="en-CA" dirty="0"/>
-              <a:t> </a:t>
-            </a:r>
-            <a:r>
-              <a:rPr lang="en-CA" i="1" dirty="0"/>
-              <a:t>#Actually, not </a:t>
-            </a:r>
-            <a:r>
-              <a:rPr lang="en-CA" i="1" dirty="0" err="1"/>
-              <a:t>corelated</a:t>
-            </a:r>
+              <a:t>Does migration affect GDP per capita?</a:t>
+            </a:r>
+          </a:p>
+          <a:p>
+            <a:endParaRPr lang="en-CA" dirty="0"/>
+          </a:p>
+          <a:p>
+            <a:pPr marL="285750" indent="-285750">
+              <a:buFont typeface="Arial" panose="020B0604020202020204" pitchFamily="34" charset="0"/>
+              <a:buChar char="•"/>
+            </a:pPr>
             <a:r>
               <a:rPr lang="en-CA" dirty="0"/>
-              <a:t> </a:t>
-            </a:r>
-            <a:r>
-              <a:rPr lang="en-CA" i="1" dirty="0"/>
-              <a:t>#Data </a:t>
-            </a:r>
-            <a:r>
-              <a:rPr lang="en-CA" i="1" dirty="0" err="1"/>
-              <a:t>availabilty</a:t>
-            </a:r>
-            <a:r>
-              <a:rPr lang="en-CA" i="1" dirty="0"/>
-              <a:t> for a smaller time frame</a:t>
-            </a:r>
+              <a:t>GDP and Migration does not show any correlation based on our data</a:t>
+            </a:r>
+          </a:p>
+          <a:p>
+            <a:pPr marL="285750" indent="-285750">
+              <a:buFont typeface="Arial" panose="020B0604020202020204" pitchFamily="34" charset="0"/>
+              <a:buChar char="•"/>
+            </a:pPr>
             <a:r>
               <a:rPr lang="en-CA" dirty="0"/>
-              <a:t> </a:t>
-            </a:r>
-            <a:r>
-              <a:rPr lang="en-CA" i="1" dirty="0"/>
-              <a:t>#GDP is being affected by number of other factors</a:t>
+              <a:t>There can be many factors for the trend such as: </a:t>
+            </a:r>
+          </a:p>
+          <a:p>
+            <a:pPr marL="742950" lvl="1" indent="-285750">
+              <a:buFont typeface="Courier New" panose="02070309020205020404" pitchFamily="49" charset="0"/>
+              <a:buChar char="o"/>
+            </a:pPr>
+            <a:r>
+              <a:rPr lang="en-CA" dirty="0"/>
+              <a:t>Actually, not correlated</a:t>
+            </a:r>
+          </a:p>
+          <a:p>
+            <a:pPr marL="742950" lvl="1" indent="-285750">
+              <a:buFont typeface="Courier New" panose="02070309020205020404" pitchFamily="49" charset="0"/>
+              <a:buChar char="o"/>
+            </a:pPr>
+            <a:r>
+              <a:rPr lang="en-CA" dirty="0"/>
+              <a:t>Data availability for a smaller time frame</a:t>
+            </a:r>
+          </a:p>
+          <a:p>
+            <a:pPr marL="742950" lvl="1" indent="-285750">
+              <a:buFont typeface="Courier New" panose="02070309020205020404" pitchFamily="49" charset="0"/>
+              <a:buChar char="o"/>
+            </a:pPr>
+            <a:r>
+              <a:rPr lang="en-CA" dirty="0"/>
+              <a:t>GDP is being affected by number of other factors</a:t>
             </a:r>
             <a:endParaRPr lang="en-US" dirty="0"/>
           </a:p>
@@ -4202,213 +5695,6 @@
     <p:extLst>
       <p:ext uri="{BB962C8B-B14F-4D97-AF65-F5344CB8AC3E}">
         <p14:creationId xmlns:p14="http://schemas.microsoft.com/office/powerpoint/2010/main" val="2165251245"/>
-      </p:ext>
-    </p:extLst>
-  </p:cSld>
-  <p:clrMapOvr>
-    <a:masterClrMapping/>
-  </p:clrMapOvr>
-  <p:timing>
-    <p:tnLst>
-      <p:par>
-        <p:cTn id="1" dur="indefinite" restart="never" nodeType="tmRoot"/>
-      </p:par>
-    </p:tnLst>
-  </p:timing>
-</p:sld>
-</file>
-
-<file path=ppt/slides/slide7.xml><?xml version="1.0" encoding="utf-8"?>
-<p:sld xmlns:a="http://schemas.openxmlformats.org/drawingml/2006/main" xmlns:r="http://schemas.openxmlformats.org/officeDocument/2006/relationships" xmlns:p="http://schemas.openxmlformats.org/presentationml/2006/main">
-  <p:cSld>
-    <p:spTree>
-      <p:nvGrpSpPr>
-        <p:cNvPr id="1" name=""/>
-        <p:cNvGrpSpPr/>
-        <p:nvPr/>
-      </p:nvGrpSpPr>
-      <p:grpSpPr>
-        <a:xfrm>
-          <a:off x="0" y="0"/>
-          <a:ext cx="0" cy="0"/>
-          <a:chOff x="0" y="0"/>
-          <a:chExt cx="0" cy="0"/>
-        </a:xfrm>
-      </p:grpSpPr>
-      <p:sp>
-        <p:nvSpPr>
-          <p:cNvPr id="2" name="Title 1"/>
-          <p:cNvSpPr>
-            <a:spLocks noGrp="1"/>
-          </p:cNvSpPr>
-          <p:nvPr>
-            <p:ph type="title"/>
-          </p:nvPr>
-        </p:nvSpPr>
-        <p:spPr>
-          <a:xfrm>
-            <a:off x="457200" y="0"/>
-            <a:ext cx="8229600" cy="1143000"/>
-          </a:xfrm>
-        </p:spPr>
-        <p:txBody>
-          <a:bodyPr/>
-          <a:lstStyle/>
-          <a:p>
-            <a:r>
-              <a:rPr lang="en-CA" dirty="0" smtClean="0"/>
-              <a:t>Findings</a:t>
-            </a:r>
-            <a:endParaRPr lang="en-US" dirty="0"/>
-          </a:p>
-        </p:txBody>
-      </p:sp>
-      <p:pic>
-        <p:nvPicPr>
-          <p:cNvPr id="5122" name="Picture 2"/>
-          <p:cNvPicPr>
-            <a:picLocks noGrp="1" noChangeAspect="1" noChangeArrowheads="1"/>
-          </p:cNvPicPr>
-          <p:nvPr>
-            <p:ph idx="1"/>
-          </p:nvPr>
-        </p:nvPicPr>
-        <p:blipFill>
-          <a:blip r:embed="rId2">
-            <a:extLst>
-              <a:ext uri="{28A0092B-C50C-407E-A947-70E740481C1C}">
-                <a14:useLocalDpi xmlns:a14="http://schemas.microsoft.com/office/drawing/2010/main" val="0"/>
-              </a:ext>
-            </a:extLst>
-          </a:blip>
-          <a:srcRect/>
-          <a:stretch>
-            <a:fillRect/>
-          </a:stretch>
-        </p:blipFill>
-        <p:spPr bwMode="auto">
-          <a:xfrm>
-            <a:off x="1676400" y="1143000"/>
-            <a:ext cx="6096000" cy="4064000"/>
-          </a:xfrm>
-          <a:prstGeom prst="rect">
-            <a:avLst/>
-          </a:prstGeom>
-          <a:noFill/>
-          <a:ln>
-            <a:noFill/>
-          </a:ln>
-          <a:extLst>
-            <a:ext uri="{909E8E84-426E-40DD-AFC4-6F175D3DCCD1}">
-              <a14:hiddenFill xmlns:a14="http://schemas.microsoft.com/office/drawing/2010/main">
-                <a:solidFill>
-                  <a:schemeClr val="accent1"/>
-                </a:solidFill>
-              </a14:hiddenFill>
-            </a:ext>
-            <a:ext uri="{91240B29-F687-4F45-9708-019B960494DF}">
-              <a14:hiddenLine xmlns:a14="http://schemas.microsoft.com/office/drawing/2010/main" w="9525">
-                <a:solidFill>
-                  <a:schemeClr val="tx1"/>
-                </a:solidFill>
-                <a:miter lim="800000"/>
-                <a:headEnd/>
-                <a:tailEnd/>
-              </a14:hiddenLine>
-            </a:ext>
-          </a:extLst>
-        </p:spPr>
-      </p:pic>
-    </p:spTree>
-    <p:extLst>
-      <p:ext uri="{BB962C8B-B14F-4D97-AF65-F5344CB8AC3E}">
-        <p14:creationId xmlns:p14="http://schemas.microsoft.com/office/powerpoint/2010/main" val="220551563"/>
-      </p:ext>
-    </p:extLst>
-  </p:cSld>
-  <p:clrMapOvr>
-    <a:masterClrMapping/>
-  </p:clrMapOvr>
-  <p:timing>
-    <p:tnLst>
-      <p:par>
-        <p:cTn id="1" dur="indefinite" restart="never" nodeType="tmRoot"/>
-      </p:par>
-    </p:tnLst>
-  </p:timing>
-</p:sld>
-</file>
-
-<file path=ppt/slides/slide8.xml><?xml version="1.0" encoding="utf-8"?>
-<p:sld xmlns:a="http://schemas.openxmlformats.org/drawingml/2006/main" xmlns:r="http://schemas.openxmlformats.org/officeDocument/2006/relationships" xmlns:p="http://schemas.openxmlformats.org/presentationml/2006/main">
-  <p:cSld>
-    <p:spTree>
-      <p:nvGrpSpPr>
-        <p:cNvPr id="1" name=""/>
-        <p:cNvGrpSpPr/>
-        <p:nvPr/>
-      </p:nvGrpSpPr>
-      <p:grpSpPr>
-        <a:xfrm>
-          <a:off x="0" y="0"/>
-          <a:ext cx="0" cy="0"/>
-          <a:chOff x="0" y="0"/>
-          <a:chExt cx="0" cy="0"/>
-        </a:xfrm>
-      </p:grpSpPr>
-      <p:sp>
-        <p:nvSpPr>
-          <p:cNvPr id="2" name="Title 1"/>
-          <p:cNvSpPr>
-            <a:spLocks noGrp="1"/>
-          </p:cNvSpPr>
-          <p:nvPr>
-            <p:ph type="title"/>
-          </p:nvPr>
-        </p:nvSpPr>
-        <p:spPr/>
-        <p:txBody>
-          <a:bodyPr/>
-          <a:lstStyle/>
-          <a:p>
-            <a:r>
-              <a:rPr lang="en-CA" dirty="0" smtClean="0"/>
-              <a:t>Conclusions</a:t>
-            </a:r>
-            <a:endParaRPr lang="en-US" dirty="0"/>
-          </a:p>
-        </p:txBody>
-      </p:sp>
-      <p:sp>
-        <p:nvSpPr>
-          <p:cNvPr id="3" name="Content Placeholder 2"/>
-          <p:cNvSpPr>
-            <a:spLocks noGrp="1"/>
-          </p:cNvSpPr>
-          <p:nvPr>
-            <p:ph idx="1"/>
-          </p:nvPr>
-        </p:nvSpPr>
-        <p:spPr/>
-        <p:txBody>
-          <a:bodyPr/>
-          <a:lstStyle/>
-          <a:p>
-            <a:pPr marL="0" indent="0">
-              <a:buNone/>
-            </a:pPr>
-            <a:r>
-              <a:rPr lang="en-CA" dirty="0" smtClean="0"/>
-              <a:t>We wanted to find out the following: </a:t>
-            </a:r>
-            <a:endParaRPr lang="en-CA" dirty="0" smtClean="0"/>
-          </a:p>
-        </p:txBody>
-      </p:sp>
-    </p:spTree>
-    <p:extLst>
-      <p:ext uri="{BB962C8B-B14F-4D97-AF65-F5344CB8AC3E}">
-        <p14:creationId xmlns:p14="http://schemas.microsoft.com/office/powerpoint/2010/main" val="4187017143"/>
       </p:ext>
     </p:extLst>
   </p:cSld>
@@ -4445,14 +5731,19 @@
             <p:ph type="title"/>
           </p:nvPr>
         </p:nvSpPr>
-        <p:spPr/>
+        <p:spPr>
+          <a:xfrm>
+            <a:off x="457200" y="0"/>
+            <a:ext cx="8229600" cy="1143000"/>
+          </a:xfrm>
+        </p:spPr>
         <p:txBody>
           <a:bodyPr/>
           <a:lstStyle/>
           <a:p>
             <a:r>
-              <a:rPr lang="en-CA" dirty="0" smtClean="0"/>
-              <a:t>implications</a:t>
+              <a:rPr lang="en-CA" dirty="0"/>
+              <a:t>Findings #5</a:t>
             </a:r>
             <a:endParaRPr lang="en-US" dirty="0"/>
           </a:p>
@@ -4460,39 +5751,103 @@
       </p:sp>
       <p:sp>
         <p:nvSpPr>
-          <p:cNvPr id="3" name="Content Placeholder 2"/>
-          <p:cNvSpPr>
-            <a:spLocks noGrp="1"/>
-          </p:cNvSpPr>
+          <p:cNvPr id="4" name="TextBox 3">
+            <a:extLst>
+              <a:ext uri="{FF2B5EF4-FFF2-40B4-BE49-F238E27FC236}">
+                <a16:creationId xmlns:a16="http://schemas.microsoft.com/office/drawing/2014/main" id="{5D5529C6-51A9-0045-A990-39388E36439F}"/>
+              </a:ext>
+            </a:extLst>
+          </p:cNvPr>
+          <p:cNvSpPr txBox="1"/>
+          <p:nvPr/>
+        </p:nvSpPr>
+        <p:spPr>
+          <a:xfrm>
+            <a:off x="470079" y="2484388"/>
+            <a:ext cx="3643648" cy="2585323"/>
+          </a:xfrm>
+          <a:prstGeom prst="rect">
+            <a:avLst/>
+          </a:prstGeom>
+          <a:noFill/>
+        </p:spPr>
+        <p:txBody>
+          <a:bodyPr wrap="square" rtlCol="0">
+            <a:spAutoFit/>
+          </a:bodyPr>
+          <a:lstStyle/>
+          <a:p>
+            <a:r>
+              <a:rPr lang="en-CA" dirty="0"/>
+              <a:t>Does migration affect the unemployment rate?</a:t>
+            </a:r>
+            <a:endParaRPr lang="en-CA" i="1" dirty="0"/>
+          </a:p>
+          <a:p>
+            <a:endParaRPr lang="en-CA" i="1" dirty="0"/>
+          </a:p>
+          <a:p>
+            <a:pPr marL="285750" indent="-285750">
+              <a:buFont typeface="Arial" panose="020B0604020202020204" pitchFamily="34" charset="0"/>
+              <a:buChar char="•"/>
+            </a:pPr>
+            <a:r>
+              <a:rPr lang="en-CA" dirty="0"/>
+              <a:t>Unemployment and Migration show a “lead-lag” effect</a:t>
+            </a:r>
+          </a:p>
+          <a:p>
+            <a:pPr marL="285750" indent="-285750">
+              <a:buFont typeface="Arial" panose="020B0604020202020204" pitchFamily="34" charset="0"/>
+              <a:buChar char="•"/>
+            </a:pPr>
+            <a:r>
+              <a:rPr lang="en-CA" dirty="0"/>
+              <a:t>The national net migration is cross-correlated with the values of unemployment rate at a later time, in about 2-3 years</a:t>
+            </a:r>
+            <a:endParaRPr lang="en-US" dirty="0"/>
+          </a:p>
+        </p:txBody>
+      </p:sp>
+      <p:pic>
+        <p:nvPicPr>
+          <p:cNvPr id="7" name="Content Placeholder 6" descr="A screenshot of a cell phone&#13;&#10;&#13;&#10;Description automatically generated">
+            <a:extLst>
+              <a:ext uri="{FF2B5EF4-FFF2-40B4-BE49-F238E27FC236}">
+                <a16:creationId xmlns:a16="http://schemas.microsoft.com/office/drawing/2014/main" id="{23A9273B-A3B4-2449-99EE-EE550F378BAE}"/>
+              </a:ext>
+            </a:extLst>
+          </p:cNvPr>
+          <p:cNvPicPr>
+            <a:picLocks noGrp="1" noChangeAspect="1"/>
+          </p:cNvPicPr>
           <p:nvPr>
             <p:ph idx="1"/>
           </p:nvPr>
-        </p:nvSpPr>
-        <p:spPr/>
-        <p:txBody>
-          <a:bodyPr/>
-          <a:lstStyle/>
-          <a:p>
-            <a:pPr marL="0" indent="0">
-              <a:buNone/>
-            </a:pPr>
-            <a:r>
-              <a:rPr lang="en-CA" dirty="0" smtClean="0"/>
-              <a:t>The following considerations were made: </a:t>
-            </a:r>
-          </a:p>
-          <a:p>
-            <a:pPr marL="0" indent="0">
-              <a:buNone/>
-            </a:pPr>
-            <a:endParaRPr lang="en-US" dirty="0"/>
-          </a:p>
-        </p:txBody>
-      </p:sp>
+        </p:nvPicPr>
+        <p:blipFill>
+          <a:blip r:embed="rId2">
+            <a:extLst>
+              <a:ext uri="{28A0092B-C50C-407E-A947-70E740481C1C}">
+                <a14:useLocalDpi xmlns:a14="http://schemas.microsoft.com/office/drawing/2010/main" val="0"/>
+              </a:ext>
+            </a:extLst>
+          </a:blip>
+          <a:stretch>
+            <a:fillRect/>
+          </a:stretch>
+        </p:blipFill>
+        <p:spPr>
+          <a:xfrm>
+            <a:off x="4113727" y="1866900"/>
+            <a:ext cx="4652088" cy="3543300"/>
+          </a:xfrm>
+        </p:spPr>
+      </p:pic>
     </p:spTree>
     <p:extLst>
       <p:ext uri="{BB962C8B-B14F-4D97-AF65-F5344CB8AC3E}">
-        <p14:creationId xmlns:p14="http://schemas.microsoft.com/office/powerpoint/2010/main" val="611981295"/>
+        <p14:creationId xmlns:p14="http://schemas.microsoft.com/office/powerpoint/2010/main" val="220551563"/>
       </p:ext>
     </p:extLst>
   </p:cSld>
@@ -4785,4 +6140,299 @@
   <a:objectDefaults/>
   <a:extraClrSchemeLst/>
 </a:theme>
+</file>
+
+<file path=ppt/theme/theme2.xml><?xml version="1.0" encoding="utf-8"?>
+<a:theme xmlns:a="http://schemas.openxmlformats.org/drawingml/2006/main" name="Office Theme">
+  <a:themeElements>
+    <a:clrScheme name="Office">
+      <a:dk1>
+        <a:sysClr val="windowText" lastClr="000000"/>
+      </a:dk1>
+      <a:lt1>
+        <a:sysClr val="window" lastClr="FFFFFF"/>
+      </a:lt1>
+      <a:dk2>
+        <a:srgbClr val="44546A"/>
+      </a:dk2>
+      <a:lt2>
+        <a:srgbClr val="E7E6E6"/>
+      </a:lt2>
+      <a:accent1>
+        <a:srgbClr val="4472C4"/>
+      </a:accent1>
+      <a:accent2>
+        <a:srgbClr val="ED7D31"/>
+      </a:accent2>
+      <a:accent3>
+        <a:srgbClr val="A5A5A5"/>
+      </a:accent3>
+      <a:accent4>
+        <a:srgbClr val="FFC000"/>
+      </a:accent4>
+      <a:accent5>
+        <a:srgbClr val="5B9BD5"/>
+      </a:accent5>
+      <a:accent6>
+        <a:srgbClr val="70AD47"/>
+      </a:accent6>
+      <a:hlink>
+        <a:srgbClr val="0563C1"/>
+      </a:hlink>
+      <a:folHlink>
+        <a:srgbClr val="954F72"/>
+      </a:folHlink>
+    </a:clrScheme>
+    <a:fontScheme name="Office">
+      <a:majorFont>
+        <a:latin typeface="Calibri Light" panose="020F0302020204030204"/>
+        <a:ea typeface=""/>
+        <a:cs typeface=""/>
+        <a:font script="Jpan" typeface="游ゴシック Light"/>
+        <a:font script="Hang" typeface="맑은 고딕"/>
+        <a:font script="Hans" typeface="等线 Light"/>
+        <a:font script="Hant" typeface="新細明體"/>
+        <a:font script="Arab" typeface="Times New Roman"/>
+        <a:font script="Hebr" typeface="Times New Roman"/>
+        <a:font script="Thai" typeface="Angsana New"/>
+        <a:font script="Ethi" typeface="Nyala"/>
+        <a:font script="Beng" typeface="Vrinda"/>
+        <a:font script="Gujr" typeface="Shruti"/>
+        <a:font script="Khmr" typeface="MoolBoran"/>
+        <a:font script="Knda" typeface="Tunga"/>
+        <a:font script="Guru" typeface="Raavi"/>
+        <a:font script="Cans" typeface="Euphemia"/>
+        <a:font script="Cher" typeface="Plantagenet Cherokee"/>
+        <a:font script="Yiii" typeface="Microsoft Yi Baiti"/>
+        <a:font script="Tibt" typeface="Microsoft Himalaya"/>
+        <a:font script="Thaa" typeface="MV Boli"/>
+        <a:font script="Deva" typeface="Mangal"/>
+        <a:font script="Telu" typeface="Gautami"/>
+        <a:font script="Taml" typeface="Latha"/>
+        <a:font script="Syrc" typeface="Estrangelo Edessa"/>
+        <a:font script="Orya" typeface="Kalinga"/>
+        <a:font script="Mlym" typeface="Kartika"/>
+        <a:font script="Laoo" typeface="DokChampa"/>
+        <a:font script="Sinh" typeface="Iskoola Pota"/>
+        <a:font script="Mong" typeface="Mongolian Baiti"/>
+        <a:font script="Viet" typeface="Times New Roman"/>
+        <a:font script="Uigh" typeface="Microsoft Uighur"/>
+        <a:font script="Geor" typeface="Sylfaen"/>
+        <a:font script="Armn" typeface="Arial"/>
+        <a:font script="Bugi" typeface="Leelawadee UI"/>
+        <a:font script="Bopo" typeface="Microsoft JhengHei"/>
+        <a:font script="Java" typeface="Javanese Text"/>
+        <a:font script="Lisu" typeface="Segoe UI"/>
+        <a:font script="Mymr" typeface="Myanmar Text"/>
+        <a:font script="Nkoo" typeface="Ebrima"/>
+        <a:font script="Olck" typeface="Nirmala UI"/>
+        <a:font script="Osma" typeface="Ebrima"/>
+        <a:font script="Phag" typeface="Phagspa"/>
+        <a:font script="Syrn" typeface="Estrangelo Edessa"/>
+        <a:font script="Syrj" typeface="Estrangelo Edessa"/>
+        <a:font script="Syre" typeface="Estrangelo Edessa"/>
+        <a:font script="Sora" typeface="Nirmala UI"/>
+        <a:font script="Tale" typeface="Microsoft Tai Le"/>
+        <a:font script="Talu" typeface="Microsoft New Tai Lue"/>
+        <a:font script="Tfng" typeface="Ebrima"/>
+      </a:majorFont>
+      <a:minorFont>
+        <a:latin typeface="Calibri" panose="020F0502020204030204"/>
+        <a:ea typeface=""/>
+        <a:cs typeface=""/>
+        <a:font script="Jpan" typeface="游ゴシック"/>
+        <a:font script="Hang" typeface="맑은 고딕"/>
+        <a:font script="Hans" typeface="等线"/>
+        <a:font script="Hant" typeface="新細明體"/>
+        <a:font script="Arab" typeface="Arial"/>
+        <a:font script="Hebr" typeface="Arial"/>
+        <a:font script="Thai" typeface="Cordia New"/>
+        <a:font script="Ethi" typeface="Nyala"/>
+        <a:font script="Beng" typeface="Vrinda"/>
+        <a:font script="Gujr" typeface="Shruti"/>
+        <a:font script="Khmr" typeface="DaunPenh"/>
+        <a:font script="Knda" typeface="Tunga"/>
+        <a:font script="Guru" typeface="Raavi"/>
+        <a:font script="Cans" typeface="Euphemia"/>
+        <a:font script="Cher" typeface="Plantagenet Cherokee"/>
+        <a:font script="Yiii" typeface="Microsoft Yi Baiti"/>
+        <a:font script="Tibt" typeface="Microsoft Himalaya"/>
+        <a:font script="Thaa" typeface="MV Boli"/>
+        <a:font script="Deva" typeface="Mangal"/>
+        <a:font script="Telu" typeface="Gautami"/>
+        <a:font script="Taml" typeface="Latha"/>
+        <a:font script="Syrc" typeface="Estrangelo Edessa"/>
+        <a:font script="Orya" typeface="Kalinga"/>
+        <a:font script="Mlym" typeface="Kartika"/>
+        <a:font script="Laoo" typeface="DokChampa"/>
+        <a:font script="Sinh" typeface="Iskoola Pota"/>
+        <a:font script="Mong" typeface="Mongolian Baiti"/>
+        <a:font script="Viet" typeface="Arial"/>
+        <a:font script="Uigh" typeface="Microsoft Uighur"/>
+        <a:font script="Geor" typeface="Sylfaen"/>
+        <a:font script="Armn" typeface="Arial"/>
+        <a:font script="Bugi" typeface="Leelawadee UI"/>
+        <a:font script="Bopo" typeface="Microsoft JhengHei"/>
+        <a:font script="Java" typeface="Javanese Text"/>
+        <a:font script="Lisu" typeface="Segoe UI"/>
+        <a:font script="Mymr" typeface="Myanmar Text"/>
+        <a:font script="Nkoo" typeface="Ebrima"/>
+        <a:font script="Olck" typeface="Nirmala UI"/>
+        <a:font script="Osma" typeface="Ebrima"/>
+        <a:font script="Phag" typeface="Phagspa"/>
+        <a:font script="Syrn" typeface="Estrangelo Edessa"/>
+        <a:font script="Syrj" typeface="Estrangelo Edessa"/>
+        <a:font script="Syre" typeface="Estrangelo Edessa"/>
+        <a:font script="Sora" typeface="Nirmala UI"/>
+        <a:font script="Tale" typeface="Microsoft Tai Le"/>
+        <a:font script="Talu" typeface="Microsoft New Tai Lue"/>
+        <a:font script="Tfng" typeface="Ebrima"/>
+      </a:minorFont>
+    </a:fontScheme>
+    <a:fmtScheme name="Office">
+      <a:fillStyleLst>
+        <a:solidFill>
+          <a:schemeClr val="phClr"/>
+        </a:solidFill>
+        <a:gradFill rotWithShape="1">
+          <a:gsLst>
+            <a:gs pos="0">
+              <a:schemeClr val="phClr">
+                <a:lumMod val="110000"/>
+                <a:satMod val="105000"/>
+                <a:tint val="67000"/>
+              </a:schemeClr>
+            </a:gs>
+            <a:gs pos="50000">
+              <a:schemeClr val="phClr">
+                <a:lumMod val="105000"/>
+                <a:satMod val="103000"/>
+                <a:tint val="73000"/>
+              </a:schemeClr>
+            </a:gs>
+            <a:gs pos="100000">
+              <a:schemeClr val="phClr">
+                <a:lumMod val="105000"/>
+                <a:satMod val="109000"/>
+                <a:tint val="81000"/>
+              </a:schemeClr>
+            </a:gs>
+          </a:gsLst>
+          <a:lin ang="5400000" scaled="0"/>
+        </a:gradFill>
+        <a:gradFill rotWithShape="1">
+          <a:gsLst>
+            <a:gs pos="0">
+              <a:schemeClr val="phClr">
+                <a:satMod val="103000"/>
+                <a:lumMod val="102000"/>
+                <a:tint val="94000"/>
+              </a:schemeClr>
+            </a:gs>
+            <a:gs pos="50000">
+              <a:schemeClr val="phClr">
+                <a:satMod val="110000"/>
+                <a:lumMod val="100000"/>
+                <a:shade val="100000"/>
+              </a:schemeClr>
+            </a:gs>
+            <a:gs pos="100000">
+              <a:schemeClr val="phClr">
+                <a:lumMod val="99000"/>
+                <a:satMod val="120000"/>
+                <a:shade val="78000"/>
+              </a:schemeClr>
+            </a:gs>
+          </a:gsLst>
+          <a:lin ang="5400000" scaled="0"/>
+        </a:gradFill>
+      </a:fillStyleLst>
+      <a:lnStyleLst>
+        <a:ln w="6350" cap="flat" cmpd="sng" algn="ctr">
+          <a:solidFill>
+            <a:schemeClr val="phClr"/>
+          </a:solidFill>
+          <a:prstDash val="solid"/>
+          <a:miter lim="800000"/>
+        </a:ln>
+        <a:ln w="12700" cap="flat" cmpd="sng" algn="ctr">
+          <a:solidFill>
+            <a:schemeClr val="phClr"/>
+          </a:solidFill>
+          <a:prstDash val="solid"/>
+          <a:miter lim="800000"/>
+        </a:ln>
+        <a:ln w="19050" cap="flat" cmpd="sng" algn="ctr">
+          <a:solidFill>
+            <a:schemeClr val="phClr"/>
+          </a:solidFill>
+          <a:prstDash val="solid"/>
+          <a:miter lim="800000"/>
+        </a:ln>
+      </a:lnStyleLst>
+      <a:effectStyleLst>
+        <a:effectStyle>
+          <a:effectLst/>
+        </a:effectStyle>
+        <a:effectStyle>
+          <a:effectLst/>
+        </a:effectStyle>
+        <a:effectStyle>
+          <a:effectLst>
+            <a:outerShdw blurRad="57150" dist="19050" dir="5400000" algn="ctr" rotWithShape="0">
+              <a:srgbClr val="000000">
+                <a:alpha val="63000"/>
+              </a:srgbClr>
+            </a:outerShdw>
+          </a:effectLst>
+        </a:effectStyle>
+      </a:effectStyleLst>
+      <a:bgFillStyleLst>
+        <a:solidFill>
+          <a:schemeClr val="phClr"/>
+        </a:solidFill>
+        <a:solidFill>
+          <a:schemeClr val="phClr">
+            <a:tint val="95000"/>
+            <a:satMod val="170000"/>
+          </a:schemeClr>
+        </a:solidFill>
+        <a:gradFill rotWithShape="1">
+          <a:gsLst>
+            <a:gs pos="0">
+              <a:schemeClr val="phClr">
+                <a:tint val="93000"/>
+                <a:satMod val="150000"/>
+                <a:shade val="98000"/>
+                <a:lumMod val="102000"/>
+              </a:schemeClr>
+            </a:gs>
+            <a:gs pos="50000">
+              <a:schemeClr val="phClr">
+                <a:tint val="98000"/>
+                <a:satMod val="130000"/>
+                <a:shade val="90000"/>
+                <a:lumMod val="103000"/>
+              </a:schemeClr>
+            </a:gs>
+            <a:gs pos="100000">
+              <a:schemeClr val="phClr">
+                <a:shade val="63000"/>
+                <a:satMod val="120000"/>
+              </a:schemeClr>
+            </a:gs>
+          </a:gsLst>
+          <a:lin ang="5400000" scaled="0"/>
+        </a:gradFill>
+      </a:bgFillStyleLst>
+    </a:fmtScheme>
+  </a:themeElements>
+  <a:objectDefaults/>
+  <a:extraClrSchemeLst/>
+  <a:extLst>
+    <a:ext uri="{05A4C25C-085E-4340-85A3-A5531E510DB2}">
+      <thm15:themeFamily xmlns:thm15="http://schemas.microsoft.com/office/thememl/2012/main" name="Office Theme" id="{62F939B6-93AF-4DB8-9C6B-D6C7DFDC589F}" vid="{4A3C46E8-61CC-4603-A589-7422A47A8E4A}"/>
+    </a:ext>
+  </a:extLst>
+</a:theme>
 </file>